--- a/prezentare.pptx
+++ b/prezentare.pptx
@@ -7,13 +7,14 @@
   <p:sldIdLst>
     <p:sldId id="256" r:id="rId2"/>
     <p:sldId id="257" r:id="rId3"/>
-    <p:sldId id="263" r:id="rId4"/>
-    <p:sldId id="258" r:id="rId5"/>
-    <p:sldId id="259" r:id="rId6"/>
-    <p:sldId id="260" r:id="rId7"/>
-    <p:sldId id="261" r:id="rId8"/>
-    <p:sldId id="262" r:id="rId9"/>
-    <p:sldId id="264" r:id="rId10"/>
+    <p:sldId id="265" r:id="rId4"/>
+    <p:sldId id="266" r:id="rId5"/>
+    <p:sldId id="263" r:id="rId6"/>
+    <p:sldId id="258" r:id="rId7"/>
+    <p:sldId id="259" r:id="rId8"/>
+    <p:sldId id="260" r:id="rId9"/>
+    <p:sldId id="267" r:id="rId10"/>
+    <p:sldId id="261" r:id="rId11"/>
   </p:sldIdLst>
   <p:sldSz cx="9144000" cy="6858000" type="screen4x3"/>
   <p:notesSz cx="6858000" cy="9144000"/>
@@ -112,6 +113,22 @@
       </a:defRPr>
     </a:lvl9pPr>
   </p:defaultTextStyle>
+  <p:extLst>
+    <p:ext uri="{EFAFB233-063F-42B5-8137-9DF3F51BA10A}">
+      <p15:sldGuideLst xmlns:p15="http://schemas.microsoft.com/office/powerpoint/2012/main">
+        <p15:guide id="1" orient="horz" pos="2160">
+          <p15:clr>
+            <a:srgbClr val="A4A3A4"/>
+          </p15:clr>
+        </p15:guide>
+        <p15:guide id="2" pos="2880">
+          <p15:clr>
+            <a:srgbClr val="A4A3A4"/>
+          </p15:clr>
+        </p15:guide>
+      </p15:sldGuideLst>
+    </p:ext>
+  </p:extLst>
 </p:presentation>
 </file>
 
@@ -164,7 +181,7 @@
           </a:lstStyle>
           <a:p>
             <a:r>
-              <a:rPr lang="en-US" smtClean="0"/>
+              <a:rPr lang="en-US"/>
               <a:t>Click to edit Master title style</a:t>
             </a:r>
             <a:endParaRPr lang="en-US" dirty="0"/>
@@ -285,7 +302,7 @@
           </a:lstStyle>
           <a:p>
             <a:r>
-              <a:rPr lang="en-US" smtClean="0"/>
+              <a:rPr lang="en-US"/>
               <a:t>Click to edit Master subtitle style</a:t>
             </a:r>
             <a:endParaRPr lang="en-US" dirty="0"/>
@@ -310,7 +327,7 @@
             <a:fld id="{1D8BD707-D9CF-40AE-B4C6-C98DA3205C09}" type="datetimeFigureOut">
               <a:rPr lang="en-US" smtClean="0"/>
               <a:pPr/>
-              <a:t>5/11/2024</a:t>
+              <a:t>5/12/2024</a:t>
             </a:fld>
             <a:endParaRPr lang="en-US"/>
           </a:p>
@@ -400,10 +417,9 @@
           <a:lstStyle/>
           <a:p>
             <a:r>
-              <a:rPr lang="en-US" smtClean="0"/>
+              <a:rPr lang="en-US"/>
               <a:t>Click to edit Master title style</a:t>
             </a:r>
-            <a:endParaRPr lang="en-US"/>
           </a:p>
         </p:txBody>
       </p:sp>
@@ -424,38 +440,37 @@
           <a:p>
             <a:pPr lvl="0"/>
             <a:r>
-              <a:rPr lang="en-US" smtClean="0"/>
+              <a:rPr lang="en-US"/>
               <a:t>Click to edit Master text styles</a:t>
             </a:r>
           </a:p>
           <a:p>
             <a:pPr lvl="1"/>
             <a:r>
-              <a:rPr lang="en-US" smtClean="0"/>
+              <a:rPr lang="en-US"/>
               <a:t>Second level</a:t>
             </a:r>
           </a:p>
           <a:p>
             <a:pPr lvl="2"/>
             <a:r>
-              <a:rPr lang="en-US" smtClean="0"/>
+              <a:rPr lang="en-US"/>
               <a:t>Third level</a:t>
             </a:r>
           </a:p>
           <a:p>
             <a:pPr lvl="3"/>
             <a:r>
-              <a:rPr lang="en-US" smtClean="0"/>
+              <a:rPr lang="en-US"/>
               <a:t>Fourth level</a:t>
             </a:r>
           </a:p>
           <a:p>
             <a:pPr lvl="4"/>
             <a:r>
-              <a:rPr lang="en-US" smtClean="0"/>
+              <a:rPr lang="en-US"/>
               <a:t>Fifth level</a:t>
             </a:r>
-            <a:endParaRPr lang="en-US"/>
           </a:p>
         </p:txBody>
       </p:sp>
@@ -477,7 +492,7 @@
             <a:fld id="{1D8BD707-D9CF-40AE-B4C6-C98DA3205C09}" type="datetimeFigureOut">
               <a:rPr lang="en-US" smtClean="0"/>
               <a:pPr/>
-              <a:t>5/11/2024</a:t>
+              <a:t>5/12/2024</a:t>
             </a:fld>
             <a:endParaRPr lang="en-US"/>
           </a:p>
@@ -572,7 +587,7 @@
           <a:lstStyle/>
           <a:p>
             <a:r>
-              <a:rPr lang="en-US" smtClean="0"/>
+              <a:rPr lang="en-US"/>
               <a:t>Click to edit Master title style</a:t>
             </a:r>
             <a:endParaRPr lang="en-US" dirty="0"/>
@@ -601,38 +616,37 @@
           <a:p>
             <a:pPr lvl="0"/>
             <a:r>
-              <a:rPr lang="en-US" smtClean="0"/>
+              <a:rPr lang="en-US"/>
               <a:t>Click to edit Master text styles</a:t>
             </a:r>
           </a:p>
           <a:p>
             <a:pPr lvl="1"/>
             <a:r>
-              <a:rPr lang="en-US" smtClean="0"/>
+              <a:rPr lang="en-US"/>
               <a:t>Second level</a:t>
             </a:r>
           </a:p>
           <a:p>
             <a:pPr lvl="2"/>
             <a:r>
-              <a:rPr lang="en-US" smtClean="0"/>
+              <a:rPr lang="en-US"/>
               <a:t>Third level</a:t>
             </a:r>
           </a:p>
           <a:p>
             <a:pPr lvl="3"/>
             <a:r>
-              <a:rPr lang="en-US" smtClean="0"/>
+              <a:rPr lang="en-US"/>
               <a:t>Fourth level</a:t>
             </a:r>
           </a:p>
           <a:p>
             <a:pPr lvl="4"/>
             <a:r>
-              <a:rPr lang="en-US" smtClean="0"/>
+              <a:rPr lang="en-US"/>
               <a:t>Fifth level</a:t>
             </a:r>
-            <a:endParaRPr lang="en-US"/>
           </a:p>
         </p:txBody>
       </p:sp>
@@ -654,7 +668,7 @@
             <a:fld id="{1D8BD707-D9CF-40AE-B4C6-C98DA3205C09}" type="datetimeFigureOut">
               <a:rPr lang="en-US" smtClean="0"/>
               <a:pPr/>
-              <a:t>5/11/2024</a:t>
+              <a:t>5/12/2024</a:t>
             </a:fld>
             <a:endParaRPr lang="en-US"/>
           </a:p>
@@ -744,10 +758,9 @@
           <a:lstStyle/>
           <a:p>
             <a:r>
-              <a:rPr lang="en-US" smtClean="0"/>
+              <a:rPr lang="en-US"/>
               <a:t>Click to edit Master title style</a:t>
             </a:r>
-            <a:endParaRPr lang="en-US"/>
           </a:p>
         </p:txBody>
       </p:sp>
@@ -768,38 +781,37 @@
           <a:p>
             <a:pPr lvl="0"/>
             <a:r>
-              <a:rPr lang="en-US" smtClean="0"/>
+              <a:rPr lang="en-US"/>
               <a:t>Click to edit Master text styles</a:t>
             </a:r>
           </a:p>
           <a:p>
             <a:pPr lvl="1"/>
             <a:r>
-              <a:rPr lang="en-US" smtClean="0"/>
+              <a:rPr lang="en-US"/>
               <a:t>Second level</a:t>
             </a:r>
           </a:p>
           <a:p>
             <a:pPr lvl="2"/>
             <a:r>
-              <a:rPr lang="en-US" smtClean="0"/>
+              <a:rPr lang="en-US"/>
               <a:t>Third level</a:t>
             </a:r>
           </a:p>
           <a:p>
             <a:pPr lvl="3"/>
             <a:r>
-              <a:rPr lang="en-US" smtClean="0"/>
+              <a:rPr lang="en-US"/>
               <a:t>Fourth level</a:t>
             </a:r>
           </a:p>
           <a:p>
             <a:pPr lvl="4"/>
             <a:r>
-              <a:rPr lang="en-US" smtClean="0"/>
+              <a:rPr lang="en-US"/>
               <a:t>Fifth level</a:t>
             </a:r>
-            <a:endParaRPr lang="en-US"/>
           </a:p>
         </p:txBody>
       </p:sp>
@@ -821,7 +833,7 @@
             <a:fld id="{1D8BD707-D9CF-40AE-B4C6-C98DA3205C09}" type="datetimeFigureOut">
               <a:rPr lang="en-US" smtClean="0"/>
               <a:pPr/>
-              <a:t>5/11/2024</a:t>
+              <a:t>5/12/2024</a:t>
             </a:fld>
             <a:endParaRPr lang="en-US"/>
           </a:p>
@@ -920,7 +932,7 @@
           </a:lstStyle>
           <a:p>
             <a:r>
-              <a:rPr lang="en-US" smtClean="0"/>
+              <a:rPr lang="en-US"/>
               <a:t>Click to edit Master title style</a:t>
             </a:r>
             <a:endParaRPr lang="en-US" dirty="0"/>
@@ -1040,7 +1052,7 @@
           <a:p>
             <a:pPr lvl="0"/>
             <a:r>
-              <a:rPr lang="en-US" smtClean="0"/>
+              <a:rPr lang="en-US"/>
               <a:t>Click to edit Master text styles</a:t>
             </a:r>
           </a:p>
@@ -1064,7 +1076,7 @@
             <a:fld id="{1D8BD707-D9CF-40AE-B4C6-C98DA3205C09}" type="datetimeFigureOut">
               <a:rPr lang="en-US" smtClean="0"/>
               <a:pPr/>
-              <a:t>5/11/2024</a:t>
+              <a:t>5/12/2024</a:t>
             </a:fld>
             <a:endParaRPr lang="en-US"/>
           </a:p>
@@ -1154,10 +1166,9 @@
           <a:lstStyle/>
           <a:p>
             <a:r>
-              <a:rPr lang="en-US" smtClean="0"/>
+              <a:rPr lang="en-US"/>
               <a:t>Click to edit Master title style</a:t>
             </a:r>
-            <a:endParaRPr lang="en-US"/>
           </a:p>
         </p:txBody>
       </p:sp>
@@ -1211,35 +1222,35 @@
           <a:p>
             <a:pPr lvl="0"/>
             <a:r>
-              <a:rPr lang="en-US" smtClean="0"/>
+              <a:rPr lang="en-US"/>
               <a:t>Click to edit Master text styles</a:t>
             </a:r>
           </a:p>
           <a:p>
             <a:pPr lvl="1"/>
             <a:r>
-              <a:rPr lang="en-US" smtClean="0"/>
+              <a:rPr lang="en-US"/>
               <a:t>Second level</a:t>
             </a:r>
           </a:p>
           <a:p>
             <a:pPr lvl="2"/>
             <a:r>
-              <a:rPr lang="en-US" smtClean="0"/>
+              <a:rPr lang="en-US"/>
               <a:t>Third level</a:t>
             </a:r>
           </a:p>
           <a:p>
             <a:pPr lvl="3"/>
             <a:r>
-              <a:rPr lang="en-US" smtClean="0"/>
+              <a:rPr lang="en-US"/>
               <a:t>Fourth level</a:t>
             </a:r>
           </a:p>
           <a:p>
             <a:pPr lvl="4"/>
             <a:r>
-              <a:rPr lang="en-US" smtClean="0"/>
+              <a:rPr lang="en-US"/>
               <a:t>Fifth level</a:t>
             </a:r>
             <a:endParaRPr lang="en-US" dirty="0"/>
@@ -1296,35 +1307,35 @@
           <a:p>
             <a:pPr lvl="0"/>
             <a:r>
-              <a:rPr lang="en-US" smtClean="0"/>
+              <a:rPr lang="en-US"/>
               <a:t>Click to edit Master text styles</a:t>
             </a:r>
           </a:p>
           <a:p>
             <a:pPr lvl="1"/>
             <a:r>
-              <a:rPr lang="en-US" smtClean="0"/>
+              <a:rPr lang="en-US"/>
               <a:t>Second level</a:t>
             </a:r>
           </a:p>
           <a:p>
             <a:pPr lvl="2"/>
             <a:r>
-              <a:rPr lang="en-US" smtClean="0"/>
+              <a:rPr lang="en-US"/>
               <a:t>Third level</a:t>
             </a:r>
           </a:p>
           <a:p>
             <a:pPr lvl="3"/>
             <a:r>
-              <a:rPr lang="en-US" smtClean="0"/>
+              <a:rPr lang="en-US"/>
               <a:t>Fourth level</a:t>
             </a:r>
           </a:p>
           <a:p>
             <a:pPr lvl="4"/>
             <a:r>
-              <a:rPr lang="en-US" smtClean="0"/>
+              <a:rPr lang="en-US"/>
               <a:t>Fifth level</a:t>
             </a:r>
             <a:endParaRPr lang="en-US" dirty="0"/>
@@ -1349,7 +1360,7 @@
             <a:fld id="{1D8BD707-D9CF-40AE-B4C6-C98DA3205C09}" type="datetimeFigureOut">
               <a:rPr lang="en-US" smtClean="0"/>
               <a:pPr/>
-              <a:t>5/11/2024</a:t>
+              <a:t>5/12/2024</a:t>
             </a:fld>
             <a:endParaRPr lang="en-US"/>
           </a:p>
@@ -1443,10 +1454,9 @@
           </a:lstStyle>
           <a:p>
             <a:r>
-              <a:rPr lang="en-US" smtClean="0"/>
+              <a:rPr lang="en-US"/>
               <a:t>Click to edit Master title style</a:t>
             </a:r>
-            <a:endParaRPr lang="en-US"/>
           </a:p>
         </p:txBody>
       </p:sp>
@@ -1515,7 +1525,7 @@
           <a:p>
             <a:pPr lvl="0"/>
             <a:r>
-              <a:rPr lang="en-US" smtClean="0"/>
+              <a:rPr lang="en-US"/>
               <a:t>Click to edit Master text styles</a:t>
             </a:r>
           </a:p>
@@ -1571,35 +1581,35 @@
           <a:p>
             <a:pPr lvl="0"/>
             <a:r>
-              <a:rPr lang="en-US" smtClean="0"/>
+              <a:rPr lang="en-US"/>
               <a:t>Click to edit Master text styles</a:t>
             </a:r>
           </a:p>
           <a:p>
             <a:pPr lvl="1"/>
             <a:r>
-              <a:rPr lang="en-US" smtClean="0"/>
+              <a:rPr lang="en-US"/>
               <a:t>Second level</a:t>
             </a:r>
           </a:p>
           <a:p>
             <a:pPr lvl="2"/>
             <a:r>
-              <a:rPr lang="en-US" smtClean="0"/>
+              <a:rPr lang="en-US"/>
               <a:t>Third level</a:t>
             </a:r>
           </a:p>
           <a:p>
             <a:pPr lvl="3"/>
             <a:r>
-              <a:rPr lang="en-US" smtClean="0"/>
+              <a:rPr lang="en-US"/>
               <a:t>Fourth level</a:t>
             </a:r>
           </a:p>
           <a:p>
             <a:pPr lvl="4"/>
             <a:r>
-              <a:rPr lang="en-US" smtClean="0"/>
+              <a:rPr lang="en-US"/>
               <a:t>Fifth level</a:t>
             </a:r>
             <a:endParaRPr lang="en-US" dirty="0"/>
@@ -1671,7 +1681,7 @@
           <a:p>
             <a:pPr lvl="0"/>
             <a:r>
-              <a:rPr lang="en-US" smtClean="0"/>
+              <a:rPr lang="en-US"/>
               <a:t>Click to edit Master text styles</a:t>
             </a:r>
           </a:p>
@@ -1727,38 +1737,37 @@
           <a:p>
             <a:pPr lvl="0"/>
             <a:r>
-              <a:rPr lang="en-US" smtClean="0"/>
+              <a:rPr lang="en-US"/>
               <a:t>Click to edit Master text styles</a:t>
             </a:r>
           </a:p>
           <a:p>
             <a:pPr lvl="1"/>
             <a:r>
-              <a:rPr lang="en-US" smtClean="0"/>
+              <a:rPr lang="en-US"/>
               <a:t>Second level</a:t>
             </a:r>
           </a:p>
           <a:p>
             <a:pPr lvl="2"/>
             <a:r>
-              <a:rPr lang="en-US" smtClean="0"/>
+              <a:rPr lang="en-US"/>
               <a:t>Third level</a:t>
             </a:r>
           </a:p>
           <a:p>
             <a:pPr lvl="3"/>
             <a:r>
-              <a:rPr lang="en-US" smtClean="0"/>
+              <a:rPr lang="en-US"/>
               <a:t>Fourth level</a:t>
             </a:r>
           </a:p>
           <a:p>
             <a:pPr lvl="4"/>
             <a:r>
-              <a:rPr lang="en-US" smtClean="0"/>
+              <a:rPr lang="en-US"/>
               <a:t>Fifth level</a:t>
             </a:r>
-            <a:endParaRPr lang="en-US"/>
           </a:p>
         </p:txBody>
       </p:sp>
@@ -1780,7 +1789,7 @@
             <a:fld id="{1D8BD707-D9CF-40AE-B4C6-C98DA3205C09}" type="datetimeFigureOut">
               <a:rPr lang="en-US" smtClean="0"/>
               <a:pPr/>
-              <a:t>5/11/2024</a:t>
+              <a:t>5/12/2024</a:t>
             </a:fld>
             <a:endParaRPr lang="en-US"/>
           </a:p>
@@ -1870,10 +1879,9 @@
           <a:lstStyle/>
           <a:p>
             <a:r>
-              <a:rPr lang="en-US" smtClean="0"/>
+              <a:rPr lang="en-US"/>
               <a:t>Click to edit Master title style</a:t>
             </a:r>
-            <a:endParaRPr lang="en-US"/>
           </a:p>
         </p:txBody>
       </p:sp>
@@ -1895,7 +1903,7 @@
             <a:fld id="{1D8BD707-D9CF-40AE-B4C6-C98DA3205C09}" type="datetimeFigureOut">
               <a:rPr lang="en-US" smtClean="0"/>
               <a:pPr/>
-              <a:t>5/11/2024</a:t>
+              <a:t>5/12/2024</a:t>
             </a:fld>
             <a:endParaRPr lang="en-US"/>
           </a:p>
@@ -1987,7 +1995,7 @@
             <a:fld id="{1D8BD707-D9CF-40AE-B4C6-C98DA3205C09}" type="datetimeFigureOut">
               <a:rPr lang="en-US" smtClean="0"/>
               <a:pPr/>
-              <a:t>5/11/2024</a:t>
+              <a:t>5/12/2024</a:t>
             </a:fld>
             <a:endParaRPr lang="en-US"/>
           </a:p>
@@ -2086,7 +2094,7 @@
           </a:lstStyle>
           <a:p>
             <a:r>
-              <a:rPr lang="en-US" smtClean="0"/>
+              <a:rPr lang="en-US"/>
               <a:t>Click to edit Master title style</a:t>
             </a:r>
             <a:endParaRPr lang="en-US" dirty="0"/>
@@ -2154,7 +2162,7 @@
           <a:p>
             <a:pPr lvl="0"/>
             <a:r>
-              <a:rPr lang="en-US" smtClean="0"/>
+              <a:rPr lang="en-US"/>
               <a:t>Click to edit Master text styles</a:t>
             </a:r>
           </a:p>
@@ -2178,7 +2186,7 @@
             <a:fld id="{1D8BD707-D9CF-40AE-B4C6-C98DA3205C09}" type="datetimeFigureOut">
               <a:rPr lang="en-US" smtClean="0"/>
               <a:pPr/>
-              <a:t>5/11/2024</a:t>
+              <a:t>5/12/2024</a:t>
             </a:fld>
             <a:endParaRPr lang="en-US"/>
           </a:p>
@@ -2249,38 +2257,37 @@
           <a:p>
             <a:pPr lvl="0"/>
             <a:r>
-              <a:rPr lang="en-US" smtClean="0"/>
+              <a:rPr lang="en-US"/>
               <a:t>Click to edit Master text styles</a:t>
             </a:r>
           </a:p>
           <a:p>
             <a:pPr lvl="1"/>
             <a:r>
-              <a:rPr lang="en-US" smtClean="0"/>
+              <a:rPr lang="en-US"/>
               <a:t>Second level</a:t>
             </a:r>
           </a:p>
           <a:p>
             <a:pPr lvl="2"/>
             <a:r>
-              <a:rPr lang="en-US" smtClean="0"/>
+              <a:rPr lang="en-US"/>
               <a:t>Third level</a:t>
             </a:r>
           </a:p>
           <a:p>
             <a:pPr lvl="3"/>
             <a:r>
-              <a:rPr lang="en-US" smtClean="0"/>
+              <a:rPr lang="en-US"/>
               <a:t>Fourth level</a:t>
             </a:r>
           </a:p>
           <a:p>
             <a:pPr lvl="4"/>
             <a:r>
-              <a:rPr lang="en-US" smtClean="0"/>
+              <a:rPr lang="en-US"/>
               <a:t>Fifth level</a:t>
             </a:r>
-            <a:endParaRPr lang="en-US"/>
           </a:p>
         </p:txBody>
       </p:sp>
@@ -2341,7 +2348,7 @@
           </a:lstStyle>
           <a:p>
             <a:r>
-              <a:rPr lang="en-US" smtClean="0"/>
+              <a:rPr lang="en-US"/>
               <a:t>Click to edit Master title style</a:t>
             </a:r>
             <a:endParaRPr lang="en-US" dirty="0"/>
@@ -2406,7 +2413,7 @@
           </a:lstStyle>
           <a:p>
             <a:r>
-              <a:rPr lang="en-US" smtClean="0"/>
+              <a:rPr lang="en-US"/>
               <a:t>Click icon to add picture</a:t>
             </a:r>
             <a:endParaRPr lang="en-US" dirty="0"/>
@@ -2474,7 +2481,7 @@
           <a:p>
             <a:pPr lvl="0"/>
             <a:r>
-              <a:rPr lang="en-US" smtClean="0"/>
+              <a:rPr lang="en-US"/>
               <a:t>Click to edit Master text styles</a:t>
             </a:r>
           </a:p>
@@ -2498,7 +2505,7 @@
             <a:fld id="{1D8BD707-D9CF-40AE-B4C6-C98DA3205C09}" type="datetimeFigureOut">
               <a:rPr lang="en-US" smtClean="0"/>
               <a:pPr/>
-              <a:t>5/11/2024</a:t>
+              <a:t>5/12/2024</a:t>
             </a:fld>
             <a:endParaRPr lang="en-US"/>
           </a:p>
@@ -2603,7 +2610,7 @@
           <a:lstStyle/>
           <a:p>
             <a:r>
-              <a:rPr lang="en-US" smtClean="0"/>
+              <a:rPr lang="en-US"/>
               <a:t>Click to edit Master title style</a:t>
             </a:r>
             <a:endParaRPr lang="en-US" dirty="0"/>
@@ -2637,35 +2644,35 @@
           <a:p>
             <a:pPr lvl="0"/>
             <a:r>
-              <a:rPr lang="en-US" smtClean="0"/>
+              <a:rPr lang="en-US"/>
               <a:t>Click to edit Master text styles</a:t>
             </a:r>
           </a:p>
           <a:p>
             <a:pPr lvl="1"/>
             <a:r>
-              <a:rPr lang="en-US" smtClean="0"/>
+              <a:rPr lang="en-US"/>
               <a:t>Second level</a:t>
             </a:r>
           </a:p>
           <a:p>
             <a:pPr lvl="2"/>
             <a:r>
-              <a:rPr lang="en-US" smtClean="0"/>
+              <a:rPr lang="en-US"/>
               <a:t>Third level</a:t>
             </a:r>
           </a:p>
           <a:p>
             <a:pPr lvl="3"/>
             <a:r>
-              <a:rPr lang="en-US" smtClean="0"/>
+              <a:rPr lang="en-US"/>
               <a:t>Fourth level</a:t>
             </a:r>
           </a:p>
           <a:p>
             <a:pPr lvl="4"/>
             <a:r>
-              <a:rPr lang="en-US" smtClean="0"/>
+              <a:rPr lang="en-US"/>
               <a:t>Fifth level</a:t>
             </a:r>
             <a:endParaRPr lang="en-US" dirty="0"/>
@@ -2880,7 +2887,7 @@
             <a:fld id="{1D8BD707-D9CF-40AE-B4C6-C98DA3205C09}" type="datetimeFigureOut">
               <a:rPr lang="en-US" smtClean="0"/>
               <a:pPr/>
-              <a:t>5/11/2024</a:t>
+              <a:t>5/12/2024</a:t>
             </a:fld>
             <a:endParaRPr lang="en-US"/>
           </a:p>
@@ -3227,10 +3234,6 @@
               <a:rPr lang="ro-RO" sz="5400" b="1" dirty="0"/>
               <a:t>Currency Converter</a:t>
             </a:r>
-            <a:r>
-              <a:rPr lang="ro-RO" b="1" dirty="0"/>
-              <a:t/>
-            </a:r>
             <a:br>
               <a:rPr lang="ro-RO" b="1" dirty="0"/>
             </a:br>
@@ -3261,7 +3264,7 @@
           <a:lstStyle/>
           <a:p>
             <a:r>
-              <a:rPr lang="en-US" dirty="0" err="1" smtClean="0">
+              <a:rPr lang="en-US" dirty="0" err="1">
                 <a:solidFill>
                   <a:schemeClr val="tx1"/>
                 </a:solidFill>
@@ -3269,7 +3272,7 @@
               <a:t>Balan</a:t>
             </a:r>
             <a:r>
-              <a:rPr lang="en-US" dirty="0" smtClean="0">
+              <a:rPr lang="en-US" dirty="0">
                 <a:solidFill>
                   <a:schemeClr val="tx1"/>
                 </a:solidFill>
@@ -3279,7 +3282,7 @@
           </a:p>
           <a:p>
             <a:r>
-              <a:rPr lang="en-US" dirty="0" err="1" smtClean="0">
+              <a:rPr lang="en-US" dirty="0" err="1">
                 <a:solidFill>
                   <a:schemeClr val="tx1"/>
                 </a:solidFill>
@@ -3287,7 +3290,7 @@
               <a:t>Turcitu</a:t>
             </a:r>
             <a:r>
-              <a:rPr lang="en-US" dirty="0" smtClean="0">
+              <a:rPr lang="en-US" dirty="0">
                 <a:solidFill>
                   <a:schemeClr val="tx1"/>
                 </a:solidFill>
@@ -3480,7 +3483,7 @@
           </a:lstStyle>
           <a:p>
             <a:r>
-              <a:rPr lang="en-US" sz="2000" dirty="0" err="1" smtClean="0">
+              <a:rPr lang="en-US" sz="2000" dirty="0" err="1">
                 <a:solidFill>
                   <a:schemeClr val="tx1"/>
                 </a:solidFill>
@@ -3488,7 +3491,7 @@
               <a:t>Testarea</a:t>
             </a:r>
             <a:r>
-              <a:rPr lang="en-US" sz="2000" dirty="0" smtClean="0">
+              <a:rPr lang="en-US" sz="2000" dirty="0">
                 <a:solidFill>
                   <a:schemeClr val="tx1"/>
                 </a:solidFill>
@@ -3497,6 +3500,56 @@
             </a:r>
             <a:r>
               <a:rPr lang="en-US" sz="2000" dirty="0" err="1">
+                <a:solidFill>
+                  <a:schemeClr val="tx1"/>
+                </a:solidFill>
+              </a:rPr>
+              <a:t>Sistemelor</a:t>
+            </a:r>
+            <a:r>
+              <a:rPr lang="en-US" sz="2000" dirty="0">
+                <a:solidFill>
+                  <a:schemeClr val="tx1"/>
+                </a:solidFill>
+              </a:rPr>
+              <a:t> Software</a:t>
+            </a:r>
+          </a:p>
+          <a:p>
+            <a:r>
+              <a:rPr lang="en-US" sz="2000" dirty="0" err="1">
+                <a:solidFill>
+                  <a:schemeClr val="tx1"/>
+                </a:solidFill>
+              </a:rPr>
+              <a:t>Profesor</a:t>
+            </a:r>
+            <a:r>
+              <a:rPr lang="en-US" sz="2000" dirty="0">
+                <a:solidFill>
+                  <a:schemeClr val="tx1"/>
+                </a:solidFill>
+              </a:rPr>
+              <a:t> </a:t>
+            </a:r>
+            <a:r>
+              <a:rPr lang="en-US" sz="2000" dirty="0" err="1">
+                <a:solidFill>
+                  <a:schemeClr val="tx1"/>
+                </a:solidFill>
+              </a:rPr>
+              <a:t>coordonator</a:t>
+            </a:r>
+            <a:r>
+              <a:rPr lang="en-US" sz="2000" dirty="0">
+                <a:solidFill>
+                  <a:schemeClr val="tx1"/>
+                </a:solidFill>
+              </a:rPr>
+              <a:t>: </a:t>
+            </a:r>
+            <a:r>
+              <a:rPr lang="ro-RO" sz="2000" dirty="0">
                 <a:solidFill>
                   <a:schemeClr val="tx1"/>
                 </a:solidFill>
@@ -3504,65 +3557,7 @@
               <a:t>S</a:t>
             </a:r>
             <a:r>
-              <a:rPr lang="en-US" sz="2000" dirty="0" err="1" smtClean="0">
-                <a:solidFill>
-                  <a:schemeClr val="tx1"/>
-                </a:solidFill>
-              </a:rPr>
-              <a:t>istemelor</a:t>
-            </a:r>
-            <a:r>
-              <a:rPr lang="en-US" sz="2000" dirty="0" smtClean="0">
-                <a:solidFill>
-                  <a:schemeClr val="tx1"/>
-                </a:solidFill>
-              </a:rPr>
-              <a:t> Software</a:t>
-            </a:r>
-          </a:p>
-          <a:p>
-            <a:r>
-              <a:rPr lang="en-US" sz="2000" dirty="0" err="1" smtClean="0">
-                <a:solidFill>
-                  <a:schemeClr val="tx1"/>
-                </a:solidFill>
-              </a:rPr>
-              <a:t>Profesor</a:t>
-            </a:r>
-            <a:r>
-              <a:rPr lang="en-US" sz="2000" dirty="0" smtClean="0">
-                <a:solidFill>
-                  <a:schemeClr val="tx1"/>
-                </a:solidFill>
-              </a:rPr>
-              <a:t> </a:t>
-            </a:r>
-            <a:r>
-              <a:rPr lang="en-US" sz="2000" dirty="0" err="1" smtClean="0">
-                <a:solidFill>
-                  <a:schemeClr val="tx1"/>
-                </a:solidFill>
-              </a:rPr>
-              <a:t>coordonator</a:t>
-            </a:r>
-            <a:r>
-              <a:rPr lang="en-US" sz="2000" dirty="0" smtClean="0">
-                <a:solidFill>
-                  <a:schemeClr val="tx1"/>
-                </a:solidFill>
-              </a:rPr>
-              <a:t>: </a:t>
-            </a:r>
-            <a:r>
-              <a:rPr lang="ro-RO" sz="2000" dirty="0" smtClean="0">
-                <a:solidFill>
-                  <a:schemeClr val="tx1"/>
-                </a:solidFill>
-              </a:rPr>
-              <a:t>S</a:t>
-            </a:r>
-            <a:r>
-              <a:rPr lang="en-US" sz="2000" dirty="0" err="1" smtClean="0">
+              <a:rPr lang="en-US" sz="2000" dirty="0" err="1">
                 <a:solidFill>
                   <a:schemeClr val="tx1"/>
                 </a:solidFill>
@@ -3570,7 +3565,7 @@
               <a:t>orina</a:t>
             </a:r>
             <a:r>
-              <a:rPr lang="ro-RO" sz="2000" dirty="0" smtClean="0">
+              <a:rPr lang="ro-RO" sz="2000" dirty="0">
                 <a:solidFill>
                   <a:schemeClr val="tx1"/>
                 </a:solidFill>
@@ -3578,7 +3573,7 @@
               <a:t> N</a:t>
             </a:r>
             <a:r>
-              <a:rPr lang="en-US" sz="2000" dirty="0" err="1" smtClean="0">
+              <a:rPr lang="en-US" sz="2000" dirty="0" err="1">
                 <a:solidFill>
                   <a:schemeClr val="tx1"/>
                 </a:solidFill>
@@ -3586,7 +3581,7 @@
               <a:t>icoleta</a:t>
             </a:r>
             <a:r>
-              <a:rPr lang="ro-RO" sz="2000" dirty="0" smtClean="0">
+              <a:rPr lang="ro-RO" sz="2000" dirty="0">
                 <a:solidFill>
                   <a:schemeClr val="tx1"/>
                 </a:solidFill>
@@ -3594,7 +3589,7 @@
               <a:t> P</a:t>
             </a:r>
             <a:r>
-              <a:rPr lang="en-US" sz="2000" dirty="0" err="1" smtClean="0">
+              <a:rPr lang="en-US" sz="2000" dirty="0" err="1">
                 <a:solidFill>
                   <a:schemeClr val="tx1"/>
                 </a:solidFill>
@@ -3613,6 +3608,255 @@
     <p:extLst>
       <p:ext uri="{BB962C8B-B14F-4D97-AF65-F5344CB8AC3E}">
         <p14:creationId xmlns:p14="http://schemas.microsoft.com/office/powerpoint/2010/main" val="2430270650"/>
+      </p:ext>
+    </p:extLst>
+  </p:cSld>
+  <p:clrMapOvr>
+    <a:masterClrMapping/>
+  </p:clrMapOvr>
+</p:sld>
+</file>
+
+<file path=ppt/slides/slide10.xml><?xml version="1.0" encoding="utf-8"?>
+<p:sld xmlns:a="http://schemas.openxmlformats.org/drawingml/2006/main" xmlns:r="http://schemas.openxmlformats.org/officeDocument/2006/relationships" xmlns:p="http://schemas.openxmlformats.org/presentationml/2006/main">
+  <p:cSld>
+    <p:spTree>
+      <p:nvGrpSpPr>
+        <p:cNvPr id="1" name=""/>
+        <p:cNvGrpSpPr/>
+        <p:nvPr/>
+      </p:nvGrpSpPr>
+      <p:grpSpPr>
+        <a:xfrm>
+          <a:off x="0" y="0"/>
+          <a:ext cx="0" cy="0"/>
+          <a:chOff x="0" y="0"/>
+          <a:chExt cx="0" cy="0"/>
+        </a:xfrm>
+      </p:grpSpPr>
+      <p:sp>
+        <p:nvSpPr>
+          <p:cNvPr id="3" name="Content Placeholder 2"/>
+          <p:cNvSpPr>
+            <a:spLocks noGrp="1"/>
+          </p:cNvSpPr>
+          <p:nvPr>
+            <p:ph sz="half" idx="1"/>
+          </p:nvPr>
+        </p:nvSpPr>
+        <p:spPr>
+          <a:xfrm>
+            <a:off x="457200" y="381000"/>
+            <a:ext cx="7543800" cy="673608"/>
+          </a:xfrm>
+        </p:spPr>
+        <p:txBody>
+          <a:bodyPr>
+            <a:normAutofit fontScale="70000" lnSpcReduction="20000"/>
+          </a:bodyPr>
+          <a:lstStyle/>
+          <a:p>
+            <a:r>
+              <a:rPr lang="ro-RO" dirty="0"/>
+              <a:t>Prin comanda </a:t>
+            </a:r>
+            <a:r>
+              <a:rPr lang="ro-RO" i="1" dirty="0"/>
+              <a:t>mutmut results</a:t>
+            </a:r>
+            <a:r>
+              <a:rPr lang="en-US" i="1" dirty="0"/>
+              <a:t> </a:t>
+            </a:r>
+            <a:r>
+              <a:rPr lang="en-US" dirty="0" err="1"/>
+              <a:t>si</a:t>
+            </a:r>
+            <a:r>
+              <a:rPr lang="en-US" dirty="0"/>
+              <a:t> </a:t>
+            </a:r>
+            <a:r>
+              <a:rPr lang="en-US" dirty="0" err="1"/>
+              <a:t>regenerarea</a:t>
+            </a:r>
+            <a:r>
+              <a:rPr lang="en-US" dirty="0"/>
+              <a:t> HTML-</a:t>
+            </a:r>
+            <a:r>
+              <a:rPr lang="en-US" dirty="0" err="1"/>
+              <a:t>ului</a:t>
+            </a:r>
+            <a:r>
+              <a:rPr lang="ro-RO" dirty="0"/>
+              <a:t> putem confirma faptul ca mutantii ucisi au fost 2, 3 si 14.</a:t>
+            </a:r>
+          </a:p>
+        </p:txBody>
+      </p:sp>
+      <p:sp>
+        <p:nvSpPr>
+          <p:cNvPr id="4" name="Content Placeholder 3"/>
+          <p:cNvSpPr>
+            <a:spLocks noGrp="1"/>
+          </p:cNvSpPr>
+          <p:nvPr>
+            <p:ph sz="half" idx="2"/>
+          </p:nvPr>
+        </p:nvSpPr>
+        <p:spPr>
+          <a:xfrm>
+            <a:off x="457200" y="3615442"/>
+            <a:ext cx="7162800" cy="609600"/>
+          </a:xfrm>
+        </p:spPr>
+        <p:txBody>
+          <a:bodyPr>
+            <a:normAutofit fontScale="70000" lnSpcReduction="20000"/>
+          </a:bodyPr>
+          <a:lstStyle/>
+          <a:p>
+            <a:r>
+              <a:rPr lang="pt-BR" dirty="0"/>
+              <a:t>Am generat HTML-ul pentru coverage si observam ca avem in continuare o acoperire de 100%.</a:t>
+            </a:r>
+            <a:endParaRPr lang="ro-RO" dirty="0"/>
+          </a:p>
+        </p:txBody>
+      </p:sp>
+      <p:pic>
+        <p:nvPicPr>
+          <p:cNvPr id="5122" name="Picture 2"/>
+          <p:cNvPicPr>
+            <a:picLocks noChangeAspect="1" noChangeArrowheads="1"/>
+          </p:cNvPicPr>
+          <p:nvPr/>
+        </p:nvPicPr>
+        <p:blipFill>
+          <a:blip r:embed="rId2">
+            <a:extLst>
+              <a:ext uri="{28A0092B-C50C-407E-A947-70E740481C1C}">
+                <a14:useLocalDpi xmlns:a14="http://schemas.microsoft.com/office/drawing/2010/main" val="0"/>
+              </a:ext>
+            </a:extLst>
+          </a:blip>
+          <a:srcRect/>
+          <a:stretch>
+            <a:fillRect/>
+          </a:stretch>
+        </p:blipFill>
+        <p:spPr bwMode="auto">
+          <a:xfrm>
+            <a:off x="1943100" y="1180802"/>
+            <a:ext cx="4572000" cy="2171997"/>
+          </a:xfrm>
+          <a:prstGeom prst="rect">
+            <a:avLst/>
+          </a:prstGeom>
+          <a:noFill/>
+          <a:ln>
+            <a:noFill/>
+          </a:ln>
+          <a:effectLst/>
+          <a:extLst>
+            <a:ext uri="{909E8E84-426E-40DD-AFC4-6F175D3DCCD1}">
+              <a14:hiddenFill xmlns:a14="http://schemas.microsoft.com/office/drawing/2010/main">
+                <a:solidFill>
+                  <a:schemeClr val="accent1"/>
+                </a:solidFill>
+              </a14:hiddenFill>
+            </a:ext>
+            <a:ext uri="{91240B29-F687-4F45-9708-019B960494DF}">
+              <a14:hiddenLine xmlns:a14="http://schemas.microsoft.com/office/drawing/2010/main" w="9525">
+                <a:solidFill>
+                  <a:schemeClr val="tx1"/>
+                </a:solidFill>
+                <a:miter lim="800000"/>
+                <a:headEnd/>
+                <a:tailEnd/>
+              </a14:hiddenLine>
+            </a:ext>
+            <a:ext uri="{AF507438-7753-43E0-B8FC-AC1667EBCBE1}">
+              <a14:hiddenEffects xmlns:a14="http://schemas.microsoft.com/office/drawing/2010/main">
+                <a:effectLst>
+                  <a:outerShdw dist="35921" dir="2700000" algn="ctr" rotWithShape="0">
+                    <a:schemeClr val="bg2"/>
+                  </a:outerShdw>
+                </a:effectLst>
+              </a14:hiddenEffects>
+            </a:ext>
+          </a:extLst>
+        </p:spPr>
+      </p:pic>
+      <p:pic>
+        <p:nvPicPr>
+          <p:cNvPr id="5123" name="Picture 3"/>
+          <p:cNvPicPr>
+            <a:picLocks noChangeAspect="1" noChangeArrowheads="1"/>
+          </p:cNvPicPr>
+          <p:nvPr/>
+        </p:nvPicPr>
+        <p:blipFill>
+          <a:blip r:embed="rId3">
+            <a:extLst>
+              <a:ext uri="{28A0092B-C50C-407E-A947-70E740481C1C}">
+                <a14:useLocalDpi xmlns:a14="http://schemas.microsoft.com/office/drawing/2010/main" val="0"/>
+              </a:ext>
+            </a:extLst>
+          </a:blip>
+          <a:srcRect/>
+          <a:stretch>
+            <a:fillRect/>
+          </a:stretch>
+        </p:blipFill>
+        <p:spPr bwMode="auto">
+          <a:xfrm>
+            <a:off x="1943100" y="4311020"/>
+            <a:ext cx="4572000" cy="2307480"/>
+          </a:xfrm>
+          <a:prstGeom prst="rect">
+            <a:avLst/>
+          </a:prstGeom>
+          <a:noFill/>
+          <a:ln>
+            <a:noFill/>
+          </a:ln>
+          <a:effectLst/>
+          <a:extLst>
+            <a:ext uri="{909E8E84-426E-40DD-AFC4-6F175D3DCCD1}">
+              <a14:hiddenFill xmlns:a14="http://schemas.microsoft.com/office/drawing/2010/main">
+                <a:solidFill>
+                  <a:schemeClr val="accent1"/>
+                </a:solidFill>
+              </a14:hiddenFill>
+            </a:ext>
+            <a:ext uri="{91240B29-F687-4F45-9708-019B960494DF}">
+              <a14:hiddenLine xmlns:a14="http://schemas.microsoft.com/office/drawing/2010/main" w="9525">
+                <a:solidFill>
+                  <a:schemeClr val="tx1"/>
+                </a:solidFill>
+                <a:miter lim="800000"/>
+                <a:headEnd/>
+                <a:tailEnd/>
+              </a14:hiddenLine>
+            </a:ext>
+            <a:ext uri="{AF507438-7753-43E0-B8FC-AC1667EBCBE1}">
+              <a14:hiddenEffects xmlns:a14="http://schemas.microsoft.com/office/drawing/2010/main">
+                <a:effectLst>
+                  <a:outerShdw dist="35921" dir="2700000" algn="ctr" rotWithShape="0">
+                    <a:schemeClr val="bg2"/>
+                  </a:outerShdw>
+                </a:effectLst>
+              </a14:hiddenEffects>
+            </a:ext>
+          </a:extLst>
+        </p:spPr>
+      </p:pic>
+    </p:spTree>
+    <p:extLst>
+      <p:ext uri="{BB962C8B-B14F-4D97-AF65-F5344CB8AC3E}">
+        <p14:creationId xmlns:p14="http://schemas.microsoft.com/office/powerpoint/2010/main" val="1645345555"/>
       </p:ext>
     </p:extLst>
   </p:cSld>
@@ -3655,7 +3899,7 @@
           <a:lstStyle/>
           <a:p>
             <a:r>
-              <a:rPr lang="en-US" sz="3600" dirty="0" err="1" smtClean="0"/>
+              <a:rPr lang="en-US" sz="3600" dirty="0" err="1"/>
               <a:t>Descriere</a:t>
             </a:r>
             <a:endParaRPr lang="ro-RO" sz="3600" dirty="0"/>
@@ -3686,13 +3930,9 @@
           <a:p>
             <a:r>
               <a:rPr lang="ro-RO" sz="3300" dirty="0"/>
-              <a:t>Am creat acest proiect pentru a permite utilizatorilor sa converteasca sume de bani intre diferite monede folosind ratele de schimb valutar actualizate</a:t>
-            </a:r>
-            <a:r>
-              <a:rPr lang="ro-RO" sz="3300" dirty="0" smtClean="0"/>
-              <a:t>.</a:t>
-            </a:r>
-            <a:endParaRPr lang="en-US" sz="3300" dirty="0" smtClean="0"/>
+              <a:t>Am creat acest proiect pentru a permite utilizatorilor sa converteasca sume de bani intre diferite monede folosind ratele de schimb valutar actualizate.</a:t>
+            </a:r>
+            <a:endParaRPr lang="en-US" sz="3300" dirty="0"/>
           </a:p>
           <a:p>
             <a:endParaRPr lang="ro-RO" sz="3300" dirty="0"/>
@@ -3706,31 +3946,21 @@
               <a:rPr lang="ro-RO" sz="3300" u="sng" dirty="0">
                 <a:hlinkClick r:id="rId2"/>
               </a:rPr>
-              <a:t>https://</a:t>
-            </a:r>
-            <a:r>
-              <a:rPr lang="ro-RO" sz="3300" u="sng" dirty="0" smtClean="0">
-                <a:hlinkClick r:id="rId2"/>
-              </a:rPr>
-              <a:t>www.floatrates.com/daily/usd.json</a:t>
-            </a:r>
-            <a:r>
-              <a:rPr lang="ro-RO" sz="3300" dirty="0" smtClean="0"/>
+              <a:t>https://www.floatrates.com/daily/usd.json</a:t>
+            </a:r>
+            <a:r>
+              <a:rPr lang="ro-RO" sz="3300" dirty="0"/>
               <a:t>.</a:t>
             </a:r>
-            <a:endParaRPr lang="en-US" sz="3300" dirty="0" smtClean="0"/>
-          </a:p>
-          <a:p>
-            <a:endParaRPr lang="en-US" sz="3300" dirty="0" smtClean="0"/>
-          </a:p>
-          <a:p>
-            <a:r>
-              <a:rPr lang="ro-RO" sz="3300" dirty="0" smtClean="0"/>
-              <a:t>In </a:t>
-            </a:r>
+            <a:endParaRPr lang="en-US" sz="3300" dirty="0"/>
+          </a:p>
+          <a:p>
+            <a:endParaRPr lang="en-US" sz="3300" dirty="0"/>
+          </a:p>
+          <a:p>
             <a:r>
               <a:rPr lang="ro-RO" sz="3300" dirty="0"/>
-              <a:t>cazul in care aplicatia nu poate accesa link-ul, programul isi va lua schimbul din fisierul </a:t>
+              <a:t>In cazul in care aplicatia nu poate accesa link-ul, programul isi va lua schimbul din fisierul </a:t>
             </a:r>
             <a:r>
               <a:rPr lang="ro-RO" sz="3300" i="1" dirty="0"/>
@@ -3739,10 +3969,6 @@
             <a:r>
               <a:rPr lang="ro-RO" sz="3300" dirty="0"/>
               <a:t>, care salveaza datele de la ultima accesare reusita a api-ului.</a:t>
-            </a:r>
-            <a:r>
-              <a:rPr lang="ro-RO" dirty="0"/>
-              <a:t/>
             </a:r>
             <a:br>
               <a:rPr lang="ro-RO" dirty="0"/>
@@ -3779,8 +4005,8 @@
         </p:blipFill>
         <p:spPr bwMode="auto">
           <a:xfrm>
-            <a:off x="4648200" y="1828800"/>
-            <a:ext cx="3064933" cy="2133600"/>
+            <a:off x="4572000" y="2133600"/>
+            <a:ext cx="3721704" cy="2590800"/>
           </a:xfrm>
           <a:prstGeom prst="rect">
             <a:avLst/>
@@ -3852,6 +4078,1416 @@
       </p:grpSpPr>
       <p:sp>
         <p:nvSpPr>
+          <p:cNvPr id="2" name="Title 1">
+            <a:extLst>
+              <a:ext uri="{FF2B5EF4-FFF2-40B4-BE49-F238E27FC236}">
+                <a16:creationId xmlns:a16="http://schemas.microsoft.com/office/drawing/2014/main" id="{A6EE21CD-933A-04A4-58E0-5ECBF91BCD42}"/>
+              </a:ext>
+            </a:extLst>
+          </p:cNvPr>
+          <p:cNvSpPr>
+            <a:spLocks noGrp="1"/>
+          </p:cNvSpPr>
+          <p:nvPr>
+            <p:ph type="title"/>
+          </p:nvPr>
+        </p:nvSpPr>
+        <p:spPr/>
+        <p:txBody>
+          <a:bodyPr/>
+          <a:lstStyle/>
+          <a:p>
+            <a:r>
+              <a:rPr lang="en-US" dirty="0"/>
+              <a:t>Teste </a:t>
+            </a:r>
+            <a:r>
+              <a:rPr lang="en-US" dirty="0" err="1"/>
+              <a:t>Functionale</a:t>
+            </a:r>
+            <a:endParaRPr lang="en-US" dirty="0"/>
+          </a:p>
+        </p:txBody>
+      </p:sp>
+      <p:sp>
+        <p:nvSpPr>
+          <p:cNvPr id="3" name="Content Placeholder 2">
+            <a:extLst>
+              <a:ext uri="{FF2B5EF4-FFF2-40B4-BE49-F238E27FC236}">
+                <a16:creationId xmlns:a16="http://schemas.microsoft.com/office/drawing/2014/main" id="{02E5278C-057D-A7CF-9CF5-BEAE8CE7317B}"/>
+              </a:ext>
+            </a:extLst>
+          </p:cNvPr>
+          <p:cNvSpPr>
+            <a:spLocks noGrp="1"/>
+          </p:cNvSpPr>
+          <p:nvPr>
+            <p:ph idx="1"/>
+          </p:nvPr>
+        </p:nvSpPr>
+        <p:spPr/>
+        <p:txBody>
+          <a:bodyPr/>
+          <a:lstStyle/>
+          <a:p>
+            <a:pPr algn="just">
+              <a:buFont typeface="Wingdings" panose="05000000000000000000" pitchFamily="2" charset="2"/>
+              <a:buChar char="v"/>
+            </a:pPr>
+            <a:r>
+              <a:rPr lang="en-US" b="1" dirty="0"/>
+              <a:t>  </a:t>
+            </a:r>
+            <a:r>
+              <a:rPr lang="en-US" b="1" dirty="0" err="1"/>
+              <a:t>test_same_currency</a:t>
+            </a:r>
+            <a:r>
+              <a:rPr lang="en-US" b="1" dirty="0"/>
+              <a:t>() </a:t>
+            </a:r>
+            <a:r>
+              <a:rPr lang="en-US" dirty="0"/>
+              <a:t>- </a:t>
+            </a:r>
+            <a:r>
+              <a:rPr lang="en-US" dirty="0" err="1"/>
+              <a:t>Verifica</a:t>
+            </a:r>
+            <a:r>
+              <a:rPr lang="en-US" dirty="0"/>
+              <a:t> </a:t>
+            </a:r>
+            <a:r>
+              <a:rPr lang="en-US" dirty="0" err="1"/>
+              <a:t>daca</a:t>
+            </a:r>
+            <a:r>
+              <a:rPr lang="en-US" dirty="0"/>
+              <a:t> </a:t>
+            </a:r>
+            <a:r>
+              <a:rPr lang="en-US" dirty="0" err="1"/>
+              <a:t>conversia</a:t>
+            </a:r>
+            <a:r>
+              <a:rPr lang="en-US" dirty="0"/>
+              <a:t> </a:t>
+            </a:r>
+            <a:r>
+              <a:rPr lang="en-US" dirty="0" err="1"/>
+              <a:t>intre</a:t>
+            </a:r>
+            <a:r>
+              <a:rPr lang="en-US" dirty="0"/>
+              <a:t> </a:t>
+            </a:r>
+            <a:r>
+              <a:rPr lang="en-US" dirty="0" err="1"/>
+              <a:t>aceeasi</a:t>
+            </a:r>
+            <a:r>
+              <a:rPr lang="en-US" dirty="0"/>
+              <a:t> </a:t>
+            </a:r>
+            <a:r>
+              <a:rPr lang="en-US" dirty="0" err="1"/>
+              <a:t>moneda</a:t>
+            </a:r>
+            <a:r>
+              <a:rPr lang="en-US" dirty="0"/>
+              <a:t> </a:t>
+            </a:r>
+            <a:r>
+              <a:rPr lang="en-US" dirty="0" err="1"/>
+              <a:t>returneaza</a:t>
+            </a:r>
+            <a:r>
+              <a:rPr lang="en-US" dirty="0"/>
+              <a:t> </a:t>
+            </a:r>
+            <a:r>
+              <a:rPr lang="en-US" dirty="0" err="1"/>
+              <a:t>suma</a:t>
+            </a:r>
+            <a:r>
+              <a:rPr lang="en-US" dirty="0"/>
+              <a:t> </a:t>
+            </a:r>
+            <a:r>
+              <a:rPr lang="en-US" dirty="0" err="1"/>
+              <a:t>originala</a:t>
+            </a:r>
+            <a:r>
+              <a:rPr lang="en-US" dirty="0"/>
+              <a:t>, conform </a:t>
+            </a:r>
+            <a:r>
+              <a:rPr lang="en-US" dirty="0" err="1"/>
+              <a:t>specificatiei</a:t>
+            </a:r>
+            <a:r>
+              <a:rPr lang="en-US" dirty="0"/>
+              <a:t> de </a:t>
+            </a:r>
+            <a:r>
+              <a:rPr lang="en-US" dirty="0" err="1"/>
+              <a:t>baza</a:t>
+            </a:r>
+            <a:endParaRPr lang="en-US" dirty="0"/>
+          </a:p>
+          <a:p>
+            <a:pPr>
+              <a:buFont typeface="Wingdings" panose="05000000000000000000" pitchFamily="2" charset="2"/>
+              <a:buChar char="v"/>
+            </a:pPr>
+            <a:r>
+              <a:rPr lang="en-US" b="1" dirty="0"/>
+              <a:t>  </a:t>
+            </a:r>
+            <a:r>
+              <a:rPr lang="en-US" b="1" dirty="0" err="1"/>
+              <a:t>test_different_rate</a:t>
+            </a:r>
+            <a:r>
+              <a:rPr lang="en-US" b="1" dirty="0"/>
+              <a:t>() </a:t>
+            </a:r>
+            <a:r>
+              <a:rPr lang="en-US" dirty="0"/>
+              <a:t>- </a:t>
+            </a:r>
+            <a:r>
+              <a:rPr lang="en-US" dirty="0" err="1"/>
+              <a:t>Verifica</a:t>
+            </a:r>
+            <a:r>
+              <a:rPr lang="en-US" dirty="0"/>
+              <a:t> </a:t>
+            </a:r>
+            <a:r>
+              <a:rPr lang="en-US" dirty="0" err="1"/>
+              <a:t>daca</a:t>
+            </a:r>
+            <a:r>
+              <a:rPr lang="en-US" dirty="0"/>
+              <a:t> </a:t>
+            </a:r>
+            <a:r>
+              <a:rPr lang="en-US" dirty="0" err="1"/>
+              <a:t>conversia</a:t>
+            </a:r>
+            <a:r>
+              <a:rPr lang="en-US" dirty="0"/>
+              <a:t> din USD in EUR </a:t>
+            </a:r>
+            <a:r>
+              <a:rPr lang="en-US" dirty="0" err="1"/>
+              <a:t>foloseste</a:t>
+            </a:r>
+            <a:r>
+              <a:rPr lang="en-US" dirty="0"/>
+              <a:t> rata de </a:t>
+            </a:r>
+            <a:r>
+              <a:rPr lang="en-US" dirty="0" err="1"/>
+              <a:t>schimb</a:t>
+            </a:r>
+            <a:r>
+              <a:rPr lang="en-US" dirty="0"/>
+              <a:t> </a:t>
+            </a:r>
+            <a:r>
+              <a:rPr lang="en-US" dirty="0" err="1"/>
+              <a:t>corecta</a:t>
+            </a:r>
+            <a:r>
+              <a:rPr lang="en-US" dirty="0"/>
+              <a:t>, </a:t>
+            </a:r>
+            <a:r>
+              <a:rPr lang="en-US" dirty="0" err="1"/>
+              <a:t>asigurandu</a:t>
+            </a:r>
+            <a:r>
+              <a:rPr lang="en-US" dirty="0"/>
+              <a:t>-se ca </a:t>
+            </a:r>
+            <a:r>
+              <a:rPr lang="en-US" dirty="0" err="1"/>
+              <a:t>operatiunea</a:t>
+            </a:r>
+            <a:r>
+              <a:rPr lang="en-US" dirty="0"/>
+              <a:t> de </a:t>
+            </a:r>
+            <a:r>
+              <a:rPr lang="en-US" dirty="0" err="1"/>
+              <a:t>conversie</a:t>
+            </a:r>
+            <a:r>
+              <a:rPr lang="en-US" dirty="0"/>
+              <a:t> </a:t>
+            </a:r>
+            <a:r>
+              <a:rPr lang="en-US" dirty="0" err="1"/>
+              <a:t>este</a:t>
+            </a:r>
+            <a:r>
+              <a:rPr lang="en-US" dirty="0"/>
+              <a:t> </a:t>
+            </a:r>
+            <a:r>
+              <a:rPr lang="en-US" dirty="0" err="1"/>
+              <a:t>simetrica</a:t>
+            </a:r>
+            <a:r>
+              <a:rPr lang="en-US" dirty="0"/>
+              <a:t> </a:t>
+            </a:r>
+            <a:r>
+              <a:rPr lang="en-US" dirty="0" err="1"/>
+              <a:t>si</a:t>
+            </a:r>
+            <a:r>
+              <a:rPr lang="en-US" dirty="0"/>
+              <a:t> </a:t>
+            </a:r>
+            <a:r>
+              <a:rPr lang="en-US" dirty="0" err="1"/>
+              <a:t>precisa</a:t>
+            </a:r>
+            <a:endParaRPr lang="en-US" dirty="0"/>
+          </a:p>
+          <a:p>
+            <a:pPr>
+              <a:buFont typeface="Wingdings" panose="05000000000000000000" pitchFamily="2" charset="2"/>
+              <a:buChar char="v"/>
+            </a:pPr>
+            <a:r>
+              <a:rPr lang="en-US" b="1" dirty="0"/>
+              <a:t>  </a:t>
+            </a:r>
+            <a:r>
+              <a:rPr lang="en-US" b="1" dirty="0" err="1"/>
+              <a:t>test_inverse_rate</a:t>
+            </a:r>
+            <a:r>
+              <a:rPr lang="en-US" b="1" dirty="0"/>
+              <a:t>()</a:t>
+            </a:r>
+            <a:r>
+              <a:rPr lang="en-US" dirty="0"/>
+              <a:t> - </a:t>
+            </a:r>
+            <a:r>
+              <a:rPr lang="en-US" dirty="0" err="1"/>
+              <a:t>Verifica</a:t>
+            </a:r>
+            <a:r>
+              <a:rPr lang="en-US" dirty="0"/>
+              <a:t> </a:t>
+            </a:r>
+            <a:r>
+              <a:rPr lang="en-US" dirty="0" err="1"/>
+              <a:t>daca</a:t>
+            </a:r>
+            <a:r>
+              <a:rPr lang="en-US" dirty="0"/>
+              <a:t> </a:t>
+            </a:r>
+            <a:r>
+              <a:rPr lang="en-US" dirty="0" err="1"/>
+              <a:t>conversia</a:t>
+            </a:r>
+            <a:r>
+              <a:rPr lang="en-US" dirty="0"/>
+              <a:t> din EUR in USD </a:t>
+            </a:r>
+            <a:r>
+              <a:rPr lang="en-US" dirty="0" err="1"/>
+              <a:t>este</a:t>
+            </a:r>
+            <a:r>
+              <a:rPr lang="en-US" dirty="0"/>
+              <a:t> </a:t>
+            </a:r>
+            <a:r>
+              <a:rPr lang="en-US" dirty="0" err="1"/>
+              <a:t>calculata</a:t>
+            </a:r>
+            <a:r>
+              <a:rPr lang="en-US" dirty="0"/>
+              <a:t> </a:t>
+            </a:r>
+            <a:r>
+              <a:rPr lang="en-US" dirty="0" err="1"/>
+              <a:t>corect</a:t>
+            </a:r>
+            <a:r>
+              <a:rPr lang="en-US" dirty="0"/>
+              <a:t>, </a:t>
+            </a:r>
+            <a:r>
+              <a:rPr lang="en-US" dirty="0" err="1"/>
+              <a:t>asigurandu</a:t>
+            </a:r>
+            <a:r>
+              <a:rPr lang="en-US" dirty="0"/>
+              <a:t>-se ca </a:t>
+            </a:r>
+            <a:r>
+              <a:rPr lang="en-US" dirty="0" err="1"/>
+              <a:t>operatiunea</a:t>
+            </a:r>
+            <a:r>
+              <a:rPr lang="en-US" dirty="0"/>
+              <a:t> de </a:t>
+            </a:r>
+            <a:r>
+              <a:rPr lang="en-US" dirty="0" err="1"/>
+              <a:t>conversie</a:t>
+            </a:r>
+            <a:r>
+              <a:rPr lang="en-US" dirty="0"/>
+              <a:t> </a:t>
+            </a:r>
+            <a:r>
+              <a:rPr lang="en-US" dirty="0" err="1"/>
+              <a:t>este</a:t>
+            </a:r>
+            <a:r>
+              <a:rPr lang="en-US" dirty="0"/>
+              <a:t> </a:t>
+            </a:r>
+            <a:r>
+              <a:rPr lang="en-US" dirty="0" err="1"/>
+              <a:t>simetrica</a:t>
+            </a:r>
+            <a:r>
+              <a:rPr lang="en-US" dirty="0"/>
+              <a:t> </a:t>
+            </a:r>
+            <a:r>
+              <a:rPr lang="en-US" dirty="0" err="1"/>
+              <a:t>si</a:t>
+            </a:r>
+            <a:r>
+              <a:rPr lang="en-US" dirty="0"/>
+              <a:t> </a:t>
+            </a:r>
+            <a:r>
+              <a:rPr lang="en-US" dirty="0" err="1"/>
+              <a:t>precisa</a:t>
+            </a:r>
+            <a:endParaRPr lang="en-US" dirty="0"/>
+          </a:p>
+          <a:p>
+            <a:pPr>
+              <a:buFont typeface="Wingdings" panose="05000000000000000000" pitchFamily="2" charset="2"/>
+              <a:buChar char="v"/>
+            </a:pPr>
+            <a:r>
+              <a:rPr lang="en-US" b="1" dirty="0"/>
+              <a:t>  </a:t>
+            </a:r>
+            <a:r>
+              <a:rPr lang="en-US" b="1" dirty="0" err="1"/>
+              <a:t>test_zero_amount</a:t>
+            </a:r>
+            <a:r>
+              <a:rPr lang="en-US" b="1" dirty="0"/>
+              <a:t>() </a:t>
+            </a:r>
+            <a:r>
+              <a:rPr lang="en-US" dirty="0"/>
+              <a:t>- </a:t>
+            </a:r>
+            <a:r>
+              <a:rPr lang="en-US" dirty="0" err="1"/>
+              <a:t>Verifica</a:t>
+            </a:r>
+            <a:r>
+              <a:rPr lang="en-US" dirty="0"/>
+              <a:t> </a:t>
+            </a:r>
+            <a:r>
+              <a:rPr lang="en-US" dirty="0" err="1"/>
+              <a:t>comportamentul</a:t>
+            </a:r>
+            <a:r>
+              <a:rPr lang="en-US" dirty="0"/>
+              <a:t> </a:t>
+            </a:r>
+            <a:r>
+              <a:rPr lang="en-US" dirty="0" err="1"/>
+              <a:t>functiei</a:t>
+            </a:r>
+            <a:r>
+              <a:rPr lang="en-US" dirty="0"/>
+              <a:t> </a:t>
+            </a:r>
+            <a:r>
+              <a:rPr lang="en-US" dirty="0" err="1"/>
+              <a:t>atunci</a:t>
+            </a:r>
+            <a:r>
+              <a:rPr lang="en-US" dirty="0"/>
+              <a:t> cand </a:t>
+            </a:r>
+            <a:r>
+              <a:rPr lang="en-US" dirty="0" err="1"/>
+              <a:t>suma</a:t>
+            </a:r>
+            <a:r>
+              <a:rPr lang="en-US" dirty="0"/>
+              <a:t> </a:t>
+            </a:r>
+            <a:r>
+              <a:rPr lang="en-US" dirty="0" err="1"/>
+              <a:t>introdusa</a:t>
+            </a:r>
+            <a:r>
+              <a:rPr lang="en-US" dirty="0"/>
+              <a:t> </a:t>
+            </a:r>
+            <a:r>
+              <a:rPr lang="en-US" dirty="0" err="1"/>
+              <a:t>pentru</a:t>
+            </a:r>
+            <a:r>
+              <a:rPr lang="en-US" dirty="0"/>
+              <a:t> </a:t>
+            </a:r>
+            <a:r>
+              <a:rPr lang="en-US" dirty="0" err="1"/>
+              <a:t>conversie</a:t>
+            </a:r>
+            <a:r>
+              <a:rPr lang="en-US" dirty="0"/>
+              <a:t> </a:t>
+            </a:r>
+            <a:r>
+              <a:rPr lang="en-US" dirty="0" err="1"/>
+              <a:t>este</a:t>
+            </a:r>
+            <a:r>
+              <a:rPr lang="en-US" dirty="0"/>
+              <a:t> zero</a:t>
+            </a:r>
+          </a:p>
+        </p:txBody>
+      </p:sp>
+    </p:spTree>
+    <p:extLst>
+      <p:ext uri="{BB962C8B-B14F-4D97-AF65-F5344CB8AC3E}">
+        <p14:creationId xmlns:p14="http://schemas.microsoft.com/office/powerpoint/2010/main" val="3175983949"/>
+      </p:ext>
+    </p:extLst>
+  </p:cSld>
+  <p:clrMapOvr>
+    <a:masterClrMapping/>
+  </p:clrMapOvr>
+</p:sld>
+</file>
+
+<file path=ppt/slides/slide4.xml><?xml version="1.0" encoding="utf-8"?>
+<p:sld xmlns:a="http://schemas.openxmlformats.org/drawingml/2006/main" xmlns:r="http://schemas.openxmlformats.org/officeDocument/2006/relationships" xmlns:p="http://schemas.openxmlformats.org/presentationml/2006/main">
+  <p:cSld>
+    <p:spTree>
+      <p:nvGrpSpPr>
+        <p:cNvPr id="1" name=""/>
+        <p:cNvGrpSpPr/>
+        <p:nvPr/>
+      </p:nvGrpSpPr>
+      <p:grpSpPr>
+        <a:xfrm>
+          <a:off x="0" y="0"/>
+          <a:ext cx="0" cy="0"/>
+          <a:chOff x="0" y="0"/>
+          <a:chExt cx="0" cy="0"/>
+        </a:xfrm>
+      </p:grpSpPr>
+      <p:sp>
+        <p:nvSpPr>
+          <p:cNvPr id="2" name="Title 1">
+            <a:extLst>
+              <a:ext uri="{FF2B5EF4-FFF2-40B4-BE49-F238E27FC236}">
+                <a16:creationId xmlns:a16="http://schemas.microsoft.com/office/drawing/2014/main" id="{FF48ED53-D700-4E90-3C23-A669EE9B4776}"/>
+              </a:ext>
+            </a:extLst>
+          </p:cNvPr>
+          <p:cNvSpPr>
+            <a:spLocks noGrp="1"/>
+          </p:cNvSpPr>
+          <p:nvPr>
+            <p:ph type="title"/>
+          </p:nvPr>
+        </p:nvSpPr>
+        <p:spPr/>
+        <p:txBody>
+          <a:bodyPr/>
+          <a:lstStyle/>
+          <a:p>
+            <a:r>
+              <a:rPr lang="en-US" dirty="0"/>
+              <a:t>Teste </a:t>
+            </a:r>
+            <a:r>
+              <a:rPr lang="en-US" dirty="0" err="1"/>
+              <a:t>Structurale</a:t>
+            </a:r>
+            <a:endParaRPr lang="en-US" dirty="0"/>
+          </a:p>
+        </p:txBody>
+      </p:sp>
+      <p:sp>
+        <p:nvSpPr>
+          <p:cNvPr id="3" name="Content Placeholder 2">
+            <a:extLst>
+              <a:ext uri="{FF2B5EF4-FFF2-40B4-BE49-F238E27FC236}">
+                <a16:creationId xmlns:a16="http://schemas.microsoft.com/office/drawing/2014/main" id="{474F7ED7-FE61-BD81-34F1-94AC05C18A74}"/>
+              </a:ext>
+            </a:extLst>
+          </p:cNvPr>
+          <p:cNvSpPr>
+            <a:spLocks noGrp="1"/>
+          </p:cNvSpPr>
+          <p:nvPr>
+            <p:ph idx="1"/>
+          </p:nvPr>
+        </p:nvSpPr>
+        <p:spPr>
+          <a:xfrm>
+            <a:off x="228600" y="1295400"/>
+            <a:ext cx="8305800" cy="5562600"/>
+          </a:xfrm>
+        </p:spPr>
+        <p:txBody>
+          <a:bodyPr>
+            <a:normAutofit fontScale="92500" lnSpcReduction="10000"/>
+          </a:bodyPr>
+          <a:lstStyle/>
+          <a:p>
+            <a:pPr>
+              <a:buFont typeface="Wingdings" panose="05000000000000000000" pitchFamily="2" charset="2"/>
+              <a:buChar char="v"/>
+            </a:pPr>
+            <a:r>
+              <a:rPr lang="en-US" sz="2000" dirty="0"/>
+              <a:t> </a:t>
+            </a:r>
+            <a:r>
+              <a:rPr lang="en-US" sz="2000" b="1" dirty="0" err="1"/>
+              <a:t>test_unknown_currency</a:t>
+            </a:r>
+            <a:r>
+              <a:rPr lang="en-US" sz="2000" b="1" dirty="0"/>
+              <a:t> </a:t>
+            </a:r>
+            <a:r>
+              <a:rPr lang="en-US" sz="2000" dirty="0"/>
+              <a:t>- </a:t>
+            </a:r>
+            <a:r>
+              <a:rPr lang="en-US" sz="2000" dirty="0" err="1"/>
+              <a:t>Verifica</a:t>
+            </a:r>
+            <a:r>
+              <a:rPr lang="en-US" sz="2000" dirty="0"/>
+              <a:t> </a:t>
+            </a:r>
+            <a:r>
+              <a:rPr lang="en-US" sz="2000" dirty="0" err="1"/>
+              <a:t>comportamentul</a:t>
+            </a:r>
+            <a:r>
+              <a:rPr lang="en-US" sz="2000" dirty="0"/>
+              <a:t> </a:t>
+            </a:r>
+            <a:r>
+              <a:rPr lang="en-US" sz="2000" dirty="0" err="1"/>
+              <a:t>functiei</a:t>
+            </a:r>
+            <a:r>
+              <a:rPr lang="en-US" sz="2000" dirty="0"/>
+              <a:t> in </a:t>
+            </a:r>
+            <a:r>
+              <a:rPr lang="en-US" sz="2000" dirty="0" err="1"/>
+              <a:t>cazul</a:t>
+            </a:r>
+            <a:r>
+              <a:rPr lang="en-US" sz="2000" dirty="0"/>
+              <a:t> in care </a:t>
+            </a:r>
+            <a:r>
+              <a:rPr lang="en-US" sz="2000" dirty="0" err="1"/>
+              <a:t>este</a:t>
+            </a:r>
+            <a:r>
+              <a:rPr lang="en-US" sz="2000" dirty="0"/>
+              <a:t> </a:t>
+            </a:r>
+            <a:r>
+              <a:rPr lang="en-US" sz="2000" dirty="0" err="1"/>
+              <a:t>furnizata</a:t>
+            </a:r>
+            <a:r>
+              <a:rPr lang="en-US" sz="2000" dirty="0"/>
+              <a:t> o </a:t>
+            </a:r>
+            <a:r>
+              <a:rPr lang="en-US" sz="2000" dirty="0" err="1"/>
+              <a:t>moneda</a:t>
+            </a:r>
+            <a:r>
+              <a:rPr lang="en-US" sz="2000" dirty="0"/>
+              <a:t> </a:t>
+            </a:r>
+            <a:r>
+              <a:rPr lang="en-US" sz="2000" dirty="0" err="1"/>
+              <a:t>finala</a:t>
+            </a:r>
+            <a:r>
+              <a:rPr lang="en-US" sz="2000" dirty="0"/>
+              <a:t> </a:t>
+            </a:r>
+            <a:r>
+              <a:rPr lang="en-US" sz="2000" dirty="0" err="1"/>
+              <a:t>necunoscuta</a:t>
+            </a:r>
+            <a:endParaRPr lang="en-US" sz="2000" dirty="0"/>
+          </a:p>
+          <a:p>
+            <a:pPr>
+              <a:buFont typeface="Wingdings" panose="05000000000000000000" pitchFamily="2" charset="2"/>
+              <a:buChar char="v"/>
+            </a:pPr>
+            <a:r>
+              <a:rPr lang="en-US" sz="2000" dirty="0"/>
+              <a:t>  </a:t>
+            </a:r>
+            <a:r>
+              <a:rPr lang="en-US" sz="2000" b="1" dirty="0"/>
+              <a:t>test_unknown_currency2 </a:t>
+            </a:r>
+            <a:r>
+              <a:rPr lang="en-US" sz="2000" dirty="0"/>
+              <a:t>- </a:t>
+            </a:r>
+            <a:r>
+              <a:rPr lang="en-US" sz="2000" dirty="0" err="1"/>
+              <a:t>Verifica</a:t>
+            </a:r>
+            <a:r>
+              <a:rPr lang="en-US" sz="2000" dirty="0"/>
+              <a:t> </a:t>
+            </a:r>
+            <a:r>
+              <a:rPr lang="en-US" sz="2000" dirty="0" err="1"/>
+              <a:t>comportamentul</a:t>
+            </a:r>
+            <a:r>
+              <a:rPr lang="en-US" sz="2000" dirty="0"/>
+              <a:t> </a:t>
+            </a:r>
+            <a:r>
+              <a:rPr lang="en-US" sz="2000" dirty="0" err="1"/>
+              <a:t>functiei</a:t>
+            </a:r>
+            <a:r>
+              <a:rPr lang="en-US" sz="2000" dirty="0"/>
+              <a:t> in </a:t>
+            </a:r>
+            <a:r>
+              <a:rPr lang="en-US" sz="2000" dirty="0" err="1"/>
+              <a:t>cazul</a:t>
+            </a:r>
+            <a:r>
+              <a:rPr lang="en-US" sz="2000" dirty="0"/>
+              <a:t> in care </a:t>
+            </a:r>
+            <a:r>
+              <a:rPr lang="en-US" sz="2000" dirty="0" err="1"/>
+              <a:t>este</a:t>
+            </a:r>
+            <a:r>
+              <a:rPr lang="en-US" sz="2000" dirty="0"/>
+              <a:t> </a:t>
+            </a:r>
+            <a:r>
+              <a:rPr lang="en-US" sz="2000" dirty="0" err="1"/>
+              <a:t>furnizata</a:t>
+            </a:r>
+            <a:r>
+              <a:rPr lang="en-US" sz="2000" dirty="0"/>
+              <a:t> o </a:t>
+            </a:r>
+            <a:r>
+              <a:rPr lang="en-US" sz="2000" dirty="0" err="1"/>
+              <a:t>moneda</a:t>
+            </a:r>
+            <a:r>
+              <a:rPr lang="en-US" sz="2000" dirty="0"/>
+              <a:t> </a:t>
+            </a:r>
+            <a:r>
+              <a:rPr lang="en-US" sz="2000" dirty="0" err="1"/>
+              <a:t>initiala</a:t>
+            </a:r>
+            <a:r>
+              <a:rPr lang="en-US" sz="2000" dirty="0"/>
+              <a:t> </a:t>
+            </a:r>
+            <a:r>
+              <a:rPr lang="en-US" sz="2000" dirty="0" err="1"/>
+              <a:t>necunoscuta</a:t>
+            </a:r>
+            <a:endParaRPr lang="en-US" sz="2000" dirty="0"/>
+          </a:p>
+          <a:p>
+            <a:pPr>
+              <a:buFont typeface="Wingdings" panose="05000000000000000000" pitchFamily="2" charset="2"/>
+              <a:buChar char="v"/>
+            </a:pPr>
+            <a:r>
+              <a:rPr lang="en-US" sz="2000" dirty="0"/>
+              <a:t>  </a:t>
+            </a:r>
+            <a:r>
+              <a:rPr lang="en-US" sz="2000" b="1" dirty="0" err="1"/>
+              <a:t>test_invalid_amount</a:t>
+            </a:r>
+            <a:r>
+              <a:rPr lang="en-US" sz="2000" dirty="0"/>
+              <a:t> - </a:t>
+            </a:r>
+            <a:r>
+              <a:rPr lang="en-US" sz="2000" dirty="0" err="1"/>
+              <a:t>Verifica</a:t>
+            </a:r>
+            <a:r>
+              <a:rPr lang="en-US" sz="2000" dirty="0"/>
+              <a:t> </a:t>
+            </a:r>
+            <a:r>
+              <a:rPr lang="en-US" sz="2000" dirty="0" err="1"/>
+              <a:t>comportamentul</a:t>
+            </a:r>
+            <a:r>
+              <a:rPr lang="en-US" sz="2000" dirty="0"/>
+              <a:t> </a:t>
+            </a:r>
+            <a:r>
+              <a:rPr lang="en-US" sz="2000" dirty="0" err="1"/>
+              <a:t>functiei</a:t>
+            </a:r>
+            <a:r>
+              <a:rPr lang="en-US" sz="2000" dirty="0"/>
+              <a:t> in </a:t>
+            </a:r>
+            <a:r>
+              <a:rPr lang="en-US" sz="2000" dirty="0" err="1"/>
+              <a:t>cazul</a:t>
+            </a:r>
+            <a:r>
+              <a:rPr lang="en-US" sz="2000" dirty="0"/>
+              <a:t> in care </a:t>
+            </a:r>
+            <a:r>
+              <a:rPr lang="en-US" sz="2000" dirty="0" err="1"/>
+              <a:t>suma</a:t>
+            </a:r>
+            <a:r>
+              <a:rPr lang="en-US" sz="2000" dirty="0"/>
+              <a:t> </a:t>
+            </a:r>
+            <a:r>
+              <a:rPr lang="en-US" sz="2000" dirty="0" err="1"/>
+              <a:t>introdusa</a:t>
+            </a:r>
+            <a:r>
+              <a:rPr lang="en-US" sz="2000" dirty="0"/>
+              <a:t> </a:t>
+            </a:r>
+            <a:r>
+              <a:rPr lang="en-US" sz="2000" dirty="0" err="1"/>
+              <a:t>pentru</a:t>
+            </a:r>
+            <a:r>
+              <a:rPr lang="en-US" sz="2000" dirty="0"/>
+              <a:t> </a:t>
+            </a:r>
+            <a:r>
+              <a:rPr lang="en-US" sz="2000" dirty="0" err="1"/>
+              <a:t>conversie</a:t>
+            </a:r>
+            <a:r>
+              <a:rPr lang="en-US" sz="2000" dirty="0"/>
+              <a:t> nu </a:t>
+            </a:r>
+            <a:r>
+              <a:rPr lang="en-US" sz="2000" dirty="0" err="1"/>
+              <a:t>este</a:t>
+            </a:r>
+            <a:r>
+              <a:rPr lang="en-US" sz="2000" dirty="0"/>
+              <a:t> un input valid</a:t>
+            </a:r>
+          </a:p>
+          <a:p>
+            <a:pPr>
+              <a:buFont typeface="Wingdings" panose="05000000000000000000" pitchFamily="2" charset="2"/>
+              <a:buChar char="v"/>
+            </a:pPr>
+            <a:r>
+              <a:rPr lang="en-US" sz="2000" b="1" dirty="0"/>
+              <a:t>  </a:t>
+            </a:r>
+            <a:r>
+              <a:rPr lang="en-US" sz="2000" b="1" dirty="0" err="1"/>
+              <a:t>test_negative_amount</a:t>
+            </a:r>
+            <a:r>
+              <a:rPr lang="en-US" sz="2000" b="1" dirty="0"/>
+              <a:t> </a:t>
+            </a:r>
+            <a:r>
+              <a:rPr lang="en-US" sz="2000" dirty="0"/>
+              <a:t>- </a:t>
+            </a:r>
+            <a:r>
+              <a:rPr lang="en-US" sz="2000" dirty="0" err="1"/>
+              <a:t>Verifica</a:t>
+            </a:r>
+            <a:r>
+              <a:rPr lang="en-US" sz="2000" dirty="0"/>
+              <a:t> </a:t>
+            </a:r>
+            <a:r>
+              <a:rPr lang="en-US" sz="2000" dirty="0" err="1"/>
+              <a:t>comportamentul</a:t>
+            </a:r>
+            <a:r>
+              <a:rPr lang="en-US" sz="2000" dirty="0"/>
+              <a:t> </a:t>
+            </a:r>
+            <a:r>
+              <a:rPr lang="en-US" sz="2000" dirty="0" err="1"/>
+              <a:t>functiei</a:t>
+            </a:r>
+            <a:r>
+              <a:rPr lang="en-US" sz="2000" dirty="0"/>
+              <a:t> </a:t>
+            </a:r>
+            <a:r>
+              <a:rPr lang="en-US" sz="2000" dirty="0" err="1"/>
+              <a:t>atunci</a:t>
+            </a:r>
+            <a:r>
+              <a:rPr lang="en-US" sz="2000" dirty="0"/>
+              <a:t> cand </a:t>
+            </a:r>
+            <a:r>
+              <a:rPr lang="en-US" sz="2000" dirty="0" err="1"/>
+              <a:t>suma</a:t>
+            </a:r>
+            <a:r>
+              <a:rPr lang="en-US" sz="2000" dirty="0"/>
+              <a:t> </a:t>
+            </a:r>
+            <a:r>
+              <a:rPr lang="en-US" sz="2000" dirty="0" err="1"/>
+              <a:t>introdusa</a:t>
+            </a:r>
+            <a:r>
+              <a:rPr lang="en-US" sz="2000" dirty="0"/>
+              <a:t> </a:t>
+            </a:r>
+            <a:r>
+              <a:rPr lang="en-US" sz="2000" dirty="0" err="1"/>
+              <a:t>pentru</a:t>
+            </a:r>
+            <a:r>
+              <a:rPr lang="en-US" sz="2000" dirty="0"/>
+              <a:t> </a:t>
+            </a:r>
+            <a:r>
+              <a:rPr lang="en-US" sz="2000" dirty="0" err="1"/>
+              <a:t>conversie</a:t>
+            </a:r>
+            <a:r>
+              <a:rPr lang="en-US" sz="2000" dirty="0"/>
+              <a:t> </a:t>
+            </a:r>
+            <a:r>
+              <a:rPr lang="en-US" sz="2000" dirty="0" err="1"/>
+              <a:t>este</a:t>
+            </a:r>
+            <a:r>
+              <a:rPr lang="en-US" sz="2000" dirty="0"/>
+              <a:t> </a:t>
+            </a:r>
+            <a:r>
+              <a:rPr lang="en-US" sz="2000" dirty="0" err="1"/>
+              <a:t>negativa</a:t>
+            </a:r>
+            <a:r>
+              <a:rPr lang="en-US" sz="2000" dirty="0"/>
+              <a:t>, </a:t>
+            </a:r>
+            <a:r>
+              <a:rPr lang="en-US" sz="2000" dirty="0" err="1"/>
+              <a:t>asigurand</a:t>
+            </a:r>
+            <a:r>
+              <a:rPr lang="en-US" sz="2000" dirty="0"/>
+              <a:t> ca </a:t>
+            </a:r>
+            <a:r>
+              <a:rPr lang="en-US" sz="2000" dirty="0" err="1"/>
+              <a:t>sistemul</a:t>
+            </a:r>
+            <a:r>
+              <a:rPr lang="en-US" sz="2000" dirty="0"/>
+              <a:t> </a:t>
+            </a:r>
+            <a:r>
+              <a:rPr lang="en-US" sz="2000" dirty="0" err="1"/>
+              <a:t>respinge</a:t>
+            </a:r>
+            <a:r>
+              <a:rPr lang="en-US" sz="2000" dirty="0"/>
+              <a:t> </a:t>
+            </a:r>
+            <a:r>
+              <a:rPr lang="en-US" sz="2000" dirty="0" err="1"/>
+              <a:t>sumele</a:t>
+            </a:r>
+            <a:r>
+              <a:rPr lang="en-US" sz="2000" dirty="0"/>
+              <a:t> negative</a:t>
+            </a:r>
+          </a:p>
+          <a:p>
+            <a:pPr>
+              <a:buFont typeface="Wingdings" panose="05000000000000000000" pitchFamily="2" charset="2"/>
+              <a:buChar char="v"/>
+            </a:pPr>
+            <a:r>
+              <a:rPr lang="en-US" sz="2000" dirty="0"/>
+              <a:t>  </a:t>
+            </a:r>
+            <a:r>
+              <a:rPr lang="en-US" sz="2000" b="1" dirty="0" err="1"/>
+              <a:t>test_api_success</a:t>
+            </a:r>
+            <a:r>
+              <a:rPr lang="en-US" sz="2000" b="1" dirty="0"/>
+              <a:t> </a:t>
+            </a:r>
+            <a:r>
+              <a:rPr lang="en-US" sz="2000" dirty="0"/>
+              <a:t>- </a:t>
+            </a:r>
+            <a:r>
+              <a:rPr lang="en-US" sz="2000" dirty="0" err="1"/>
+              <a:t>Simuleaza</a:t>
+            </a:r>
+            <a:r>
+              <a:rPr lang="en-US" sz="2000" dirty="0"/>
+              <a:t> un </a:t>
+            </a:r>
+            <a:r>
+              <a:rPr lang="en-US" sz="2000" dirty="0" err="1"/>
+              <a:t>raspuns</a:t>
+            </a:r>
+            <a:r>
+              <a:rPr lang="en-US" sz="2000" dirty="0"/>
+              <a:t> </a:t>
+            </a:r>
+            <a:r>
+              <a:rPr lang="en-US" sz="2000" dirty="0" err="1"/>
+              <a:t>pozitiv</a:t>
+            </a:r>
+            <a:r>
+              <a:rPr lang="en-US" sz="2000" dirty="0"/>
+              <a:t> de la API-</a:t>
+            </a:r>
+            <a:r>
+              <a:rPr lang="en-US" sz="2000" dirty="0" err="1"/>
+              <a:t>ul</a:t>
+            </a:r>
+            <a:r>
+              <a:rPr lang="en-US" sz="2000" dirty="0"/>
+              <a:t> de rate de </a:t>
+            </a:r>
+            <a:r>
+              <a:rPr lang="en-US" sz="2000" dirty="0" err="1"/>
+              <a:t>schimb</a:t>
+            </a:r>
+            <a:r>
+              <a:rPr lang="en-US" sz="2000" dirty="0"/>
+              <a:t> </a:t>
+            </a:r>
+            <a:r>
+              <a:rPr lang="en-US" sz="2000" dirty="0" err="1"/>
+              <a:t>si</a:t>
+            </a:r>
+            <a:r>
+              <a:rPr lang="en-US" sz="2000" dirty="0"/>
+              <a:t> </a:t>
+            </a:r>
+            <a:r>
+              <a:rPr lang="en-US" sz="2000" dirty="0" err="1"/>
+              <a:t>verifica</a:t>
+            </a:r>
+            <a:r>
+              <a:rPr lang="en-US" sz="2000" dirty="0"/>
+              <a:t> </a:t>
+            </a:r>
+            <a:r>
+              <a:rPr lang="en-US" sz="2000" dirty="0" err="1"/>
+              <a:t>actualizarea</a:t>
+            </a:r>
+            <a:r>
+              <a:rPr lang="en-US" sz="2000" dirty="0"/>
+              <a:t> </a:t>
+            </a:r>
+            <a:r>
+              <a:rPr lang="en-US" sz="2000" dirty="0" err="1"/>
+              <a:t>corecta</a:t>
+            </a:r>
+            <a:r>
+              <a:rPr lang="en-US" sz="2000" dirty="0"/>
+              <a:t> a </a:t>
+            </a:r>
+            <a:r>
+              <a:rPr lang="en-US" sz="2000" dirty="0" err="1"/>
+              <a:t>datelor</a:t>
+            </a:r>
+            <a:r>
+              <a:rPr lang="en-US" sz="2000" dirty="0"/>
+              <a:t>.</a:t>
+            </a:r>
+          </a:p>
+          <a:p>
+            <a:pPr>
+              <a:buFont typeface="Wingdings" panose="05000000000000000000" pitchFamily="2" charset="2"/>
+              <a:buChar char="v"/>
+            </a:pPr>
+            <a:r>
+              <a:rPr lang="en-US" sz="2000" dirty="0"/>
+              <a:t>  </a:t>
+            </a:r>
+            <a:r>
+              <a:rPr lang="en-US" sz="2000" b="1" dirty="0" err="1"/>
+              <a:t>test_api_failure_with_backup_file</a:t>
+            </a:r>
+            <a:r>
+              <a:rPr lang="en-US" sz="2000" dirty="0"/>
+              <a:t> - </a:t>
+            </a:r>
+            <a:r>
+              <a:rPr lang="en-US" sz="2000" dirty="0" err="1"/>
+              <a:t>Testeaza</a:t>
+            </a:r>
+            <a:r>
+              <a:rPr lang="en-US" sz="2000" dirty="0"/>
+              <a:t> </a:t>
+            </a:r>
+            <a:r>
+              <a:rPr lang="en-US" sz="2000" dirty="0" err="1"/>
+              <a:t>robustetea</a:t>
+            </a:r>
+            <a:r>
+              <a:rPr lang="en-US" sz="2000" dirty="0"/>
+              <a:t> </a:t>
+            </a:r>
+            <a:r>
+              <a:rPr lang="en-US" sz="2000" dirty="0" err="1"/>
+              <a:t>sistemului</a:t>
+            </a:r>
+            <a:r>
+              <a:rPr lang="en-US" sz="2000" dirty="0"/>
+              <a:t> in fata </a:t>
+            </a:r>
+            <a:r>
+              <a:rPr lang="en-US" sz="2000" dirty="0" err="1"/>
+              <a:t>unei</a:t>
+            </a:r>
+            <a:r>
+              <a:rPr lang="en-US" sz="2000" dirty="0"/>
+              <a:t> </a:t>
+            </a:r>
+            <a:r>
+              <a:rPr lang="en-US" sz="2000" dirty="0" err="1"/>
+              <a:t>erori</a:t>
+            </a:r>
+            <a:r>
+              <a:rPr lang="en-US" sz="2000" dirty="0"/>
+              <a:t> de API, </a:t>
+            </a:r>
+            <a:r>
+              <a:rPr lang="en-US" sz="2000" dirty="0" err="1"/>
+              <a:t>verificand</a:t>
+            </a:r>
+            <a:r>
+              <a:rPr lang="en-US" sz="2000" dirty="0"/>
+              <a:t> </a:t>
+            </a:r>
+            <a:r>
+              <a:rPr lang="en-US" sz="2000" dirty="0" err="1"/>
+              <a:t>utilizarea</a:t>
+            </a:r>
+            <a:r>
+              <a:rPr lang="en-US" sz="2000" dirty="0"/>
+              <a:t> </a:t>
+            </a:r>
+            <a:r>
+              <a:rPr lang="en-US" sz="2000" dirty="0" err="1"/>
+              <a:t>unui</a:t>
+            </a:r>
+            <a:r>
+              <a:rPr lang="en-US" sz="2000" dirty="0"/>
+              <a:t> </a:t>
+            </a:r>
+            <a:r>
+              <a:rPr lang="en-US" sz="2000" dirty="0" err="1"/>
+              <a:t>fisier</a:t>
+            </a:r>
+            <a:r>
+              <a:rPr lang="en-US" sz="2000" dirty="0"/>
+              <a:t> de backup </a:t>
+            </a:r>
+            <a:r>
+              <a:rPr lang="en-US" sz="2000" dirty="0" err="1"/>
+              <a:t>pentru</a:t>
+            </a:r>
+            <a:r>
+              <a:rPr lang="en-US" sz="2000" dirty="0"/>
+              <a:t> </a:t>
+            </a:r>
+            <a:r>
+              <a:rPr lang="en-US" sz="2000" dirty="0" err="1"/>
+              <a:t>incarcarea</a:t>
+            </a:r>
+            <a:r>
+              <a:rPr lang="en-US" sz="2000" dirty="0"/>
+              <a:t> </a:t>
+            </a:r>
+            <a:r>
+              <a:rPr lang="en-US" sz="2000" dirty="0" err="1"/>
+              <a:t>ratelor</a:t>
+            </a:r>
+            <a:r>
+              <a:rPr lang="en-US" sz="2000" dirty="0"/>
+              <a:t> de </a:t>
+            </a:r>
+            <a:r>
+              <a:rPr lang="en-US" sz="2000" dirty="0" err="1"/>
+              <a:t>schimb</a:t>
+            </a:r>
+            <a:r>
+              <a:rPr lang="en-US" sz="2000" dirty="0"/>
+              <a:t>.</a:t>
+            </a:r>
+          </a:p>
+          <a:p>
+            <a:pPr>
+              <a:buFont typeface="Wingdings" panose="05000000000000000000" pitchFamily="2" charset="2"/>
+              <a:buChar char="v"/>
+            </a:pPr>
+            <a:r>
+              <a:rPr lang="en-US" sz="2000" dirty="0"/>
+              <a:t>  </a:t>
+            </a:r>
+            <a:r>
+              <a:rPr lang="en-US" sz="2000" b="1" dirty="0" err="1"/>
+              <a:t>test_load_exchange_rates_from_file</a:t>
+            </a:r>
+            <a:r>
+              <a:rPr lang="en-US" sz="2000" dirty="0"/>
+              <a:t> - </a:t>
+            </a:r>
+            <a:r>
+              <a:rPr lang="en-US" sz="2000" dirty="0" err="1"/>
+              <a:t>Verifica</a:t>
+            </a:r>
+            <a:r>
+              <a:rPr lang="en-US" sz="2000" dirty="0"/>
+              <a:t> </a:t>
+            </a:r>
+            <a:r>
+              <a:rPr lang="en-US" sz="2000" dirty="0" err="1"/>
+              <a:t>incarcarea</a:t>
+            </a:r>
+            <a:r>
+              <a:rPr lang="en-US" sz="2000" dirty="0"/>
+              <a:t> </a:t>
+            </a:r>
+            <a:r>
+              <a:rPr lang="en-US" sz="2000" dirty="0" err="1"/>
+              <a:t>corecta</a:t>
+            </a:r>
+            <a:r>
+              <a:rPr lang="en-US" sz="2000" dirty="0"/>
+              <a:t> a </a:t>
+            </a:r>
+            <a:r>
+              <a:rPr lang="en-US" sz="2000" dirty="0" err="1"/>
+              <a:t>ratelor</a:t>
+            </a:r>
+            <a:r>
+              <a:rPr lang="en-US" sz="2000" dirty="0"/>
+              <a:t> de </a:t>
+            </a:r>
+            <a:r>
+              <a:rPr lang="en-US" sz="2000" dirty="0" err="1"/>
+              <a:t>schimb</a:t>
+            </a:r>
+            <a:r>
+              <a:rPr lang="en-US" sz="2000" dirty="0"/>
+              <a:t> </a:t>
+            </a:r>
+            <a:r>
+              <a:rPr lang="en-US" sz="2000" dirty="0" err="1"/>
+              <a:t>dintr</a:t>
+            </a:r>
+            <a:r>
+              <a:rPr lang="en-US" sz="2000" dirty="0"/>
+              <a:t>-un </a:t>
+            </a:r>
+            <a:r>
+              <a:rPr lang="en-US" sz="2000" dirty="0" err="1"/>
+              <a:t>fisier</a:t>
+            </a:r>
+            <a:r>
+              <a:rPr lang="en-US" sz="2000" dirty="0"/>
+              <a:t> local.</a:t>
+            </a:r>
+          </a:p>
+          <a:p>
+            <a:pPr>
+              <a:buFont typeface="Wingdings" panose="05000000000000000000" pitchFamily="2" charset="2"/>
+              <a:buChar char="v"/>
+            </a:pPr>
+            <a:r>
+              <a:rPr lang="en-US" sz="2000" dirty="0"/>
+              <a:t>  </a:t>
+            </a:r>
+            <a:r>
+              <a:rPr lang="en-US" sz="2000" b="1" dirty="0" err="1"/>
+              <a:t>test_file_writing</a:t>
+            </a:r>
+            <a:r>
+              <a:rPr lang="en-US" sz="2000" b="1" dirty="0"/>
+              <a:t> </a:t>
+            </a:r>
+            <a:r>
+              <a:rPr lang="en-US" sz="2000" dirty="0"/>
+              <a:t>- </a:t>
+            </a:r>
+            <a:r>
+              <a:rPr lang="en-US" sz="2000" dirty="0" err="1"/>
+              <a:t>Testeaza</a:t>
+            </a:r>
+            <a:r>
+              <a:rPr lang="en-US" sz="2000" dirty="0"/>
+              <a:t> </a:t>
+            </a:r>
+            <a:r>
+              <a:rPr lang="en-US" sz="2000" dirty="0" err="1"/>
+              <a:t>scrierea</a:t>
+            </a:r>
+            <a:r>
+              <a:rPr lang="en-US" sz="2000" dirty="0"/>
+              <a:t> in </a:t>
+            </a:r>
+            <a:r>
+              <a:rPr lang="en-US" sz="2000" dirty="0" err="1"/>
+              <a:t>fisierul</a:t>
+            </a:r>
+            <a:r>
+              <a:rPr lang="en-US" sz="2000" dirty="0"/>
+              <a:t> de rate de </a:t>
+            </a:r>
+            <a:r>
+              <a:rPr lang="en-US" sz="2000" dirty="0" err="1"/>
+              <a:t>schimb</a:t>
+            </a:r>
+            <a:r>
+              <a:rPr lang="en-US" sz="2000" dirty="0"/>
+              <a:t>, </a:t>
+            </a:r>
+            <a:r>
+              <a:rPr lang="en-US" sz="2000" dirty="0" err="1"/>
+              <a:t>verificând</a:t>
+            </a:r>
+            <a:r>
+              <a:rPr lang="en-US" sz="2000" dirty="0"/>
+              <a:t> ca </a:t>
+            </a:r>
+            <a:r>
+              <a:rPr lang="en-US" sz="2000" dirty="0" err="1"/>
+              <a:t>datele</a:t>
+            </a:r>
+            <a:r>
+              <a:rPr lang="en-US" sz="2000" dirty="0"/>
+              <a:t> sunt </a:t>
+            </a:r>
+            <a:r>
+              <a:rPr lang="en-US" sz="2000" dirty="0" err="1"/>
+              <a:t>salvate</a:t>
+            </a:r>
+            <a:r>
+              <a:rPr lang="en-US" sz="2000" dirty="0"/>
+              <a:t> </a:t>
+            </a:r>
+            <a:r>
+              <a:rPr lang="en-US" sz="2000" dirty="0" err="1"/>
+              <a:t>corect</a:t>
+            </a:r>
+            <a:r>
+              <a:rPr lang="en-US" sz="2000" dirty="0"/>
+              <a:t>.</a:t>
+            </a:r>
+          </a:p>
+        </p:txBody>
+      </p:sp>
+    </p:spTree>
+    <p:extLst>
+      <p:ext uri="{BB962C8B-B14F-4D97-AF65-F5344CB8AC3E}">
+        <p14:creationId xmlns:p14="http://schemas.microsoft.com/office/powerpoint/2010/main" val="2322212025"/>
+      </p:ext>
+    </p:extLst>
+  </p:cSld>
+  <p:clrMapOvr>
+    <a:masterClrMapping/>
+  </p:clrMapOvr>
+</p:sld>
+</file>
+
+<file path=ppt/slides/slide5.xml><?xml version="1.0" encoding="utf-8"?>
+<p:sld xmlns:a="http://schemas.openxmlformats.org/drawingml/2006/main" xmlns:r="http://schemas.openxmlformats.org/officeDocument/2006/relationships" xmlns:p="http://schemas.openxmlformats.org/presentationml/2006/main">
+  <p:cSld>
+    <p:spTree>
+      <p:nvGrpSpPr>
+        <p:cNvPr id="1" name=""/>
+        <p:cNvGrpSpPr/>
+        <p:nvPr/>
+      </p:nvGrpSpPr>
+      <p:grpSpPr>
+        <a:xfrm>
+          <a:off x="0" y="0"/>
+          <a:ext cx="0" cy="0"/>
+          <a:chOff x="0" y="0"/>
+          <a:chExt cx="0" cy="0"/>
+        </a:xfrm>
+      </p:grpSpPr>
+      <p:sp>
+        <p:nvSpPr>
           <p:cNvPr id="2" name="Title 1"/>
           <p:cNvSpPr>
             <a:spLocks noGrp="1"/>
@@ -3871,7 +5507,7 @@
           <a:lstStyle/>
           <a:p>
             <a:r>
-              <a:rPr lang="en-US" sz="3600" dirty="0" smtClean="0"/>
+              <a:rPr lang="en-US" sz="3600" dirty="0"/>
               <a:t>CFG</a:t>
             </a:r>
             <a:endParaRPr lang="ro-RO" sz="3600" dirty="0"/>
@@ -3890,7 +5526,7 @@
         </p:nvSpPr>
         <p:spPr>
           <a:xfrm>
-            <a:off x="1600200" y="3505200"/>
+            <a:off x="304800" y="4191000"/>
             <a:ext cx="5334000" cy="457200"/>
           </a:xfrm>
         </p:spPr>
@@ -3936,12 +5572,8 @@
               <a:t>instructiune</a:t>
             </a:r>
             <a:r>
-              <a:rPr lang="es-ES" sz="1400" dirty="0" smtClean="0"/>
+              <a:rPr lang="es-ES" sz="1400" dirty="0"/>
               <a:t>.</a:t>
-            </a:r>
-            <a:r>
-              <a:rPr lang="es-ES" sz="1400" dirty="0"/>
-              <a:t/>
             </a:r>
             <a:br>
               <a:rPr lang="es-ES" sz="1400" dirty="0"/>
@@ -3960,7 +5592,7 @@
             <p:ph sz="half" idx="1"/>
           </p:nvPr>
         </p:nvPicPr>
-        <p:blipFill>
+        <p:blipFill rotWithShape="1">
           <a:blip r:embed="rId2" cstate="print">
             <a:extLst>
               <a:ext uri="{28A0092B-C50C-407E-A947-70E740481C1C}">
@@ -3968,15 +5600,13 @@
               </a:ext>
             </a:extLst>
           </a:blip>
-          <a:srcRect/>
-          <a:stretch>
-            <a:fillRect/>
-          </a:stretch>
+          <a:srcRect r="13656"/>
+          <a:stretch/>
         </p:blipFill>
         <p:spPr bwMode="auto">
           <a:xfrm>
-            <a:off x="2057400" y="762000"/>
-            <a:ext cx="4495800" cy="2604490"/>
+            <a:off x="2209800" y="0"/>
+            <a:ext cx="6263148" cy="4202214"/>
           </a:xfrm>
           <a:prstGeom prst="rect">
             <a:avLst/>
@@ -4039,7 +5669,7 @@
         </p:blipFill>
         <p:spPr bwMode="auto">
           <a:xfrm>
-            <a:off x="1576205" y="3962399"/>
+            <a:off x="457200" y="4543944"/>
             <a:ext cx="5599240" cy="1896185"/>
           </a:xfrm>
           <a:prstGeom prst="rect">
@@ -4090,8 +5720,8 @@
         </p:nvSpPr>
         <p:spPr>
           <a:xfrm>
-            <a:off x="1143000" y="6096000"/>
-            <a:ext cx="6400800" cy="457200"/>
+            <a:off x="22122" y="6477000"/>
+            <a:ext cx="7831365" cy="457200"/>
           </a:xfrm>
           <a:prstGeom prst="rect">
             <a:avLst/>
@@ -4289,7 +5919,7 @@
 </p:sld>
 </file>
 
-<file path=ppt/slides/slide4.xml><?xml version="1.0" encoding="utf-8"?>
+<file path=ppt/slides/slide6.xml><?xml version="1.0" encoding="utf-8"?>
 <p:sld xmlns:a="http://schemas.openxmlformats.org/drawingml/2006/main" xmlns:r="http://schemas.openxmlformats.org/officeDocument/2006/relationships" xmlns:p="http://schemas.openxmlformats.org/presentationml/2006/main">
   <p:cSld>
     <p:spTree>
@@ -4322,7 +5952,7 @@
           <a:lstStyle/>
           <a:p>
             <a:r>
-              <a:rPr lang="en-US" sz="3600" dirty="0" err="1" smtClean="0"/>
+              <a:rPr lang="en-US" sz="3600" dirty="0" err="1"/>
               <a:t>Dezvoltare</a:t>
             </a:r>
             <a:endParaRPr lang="ro-RO" sz="3600" dirty="0"/>
@@ -4362,10 +5992,9 @@
               <a:t>coverage.py</a:t>
             </a:r>
             <a:r>
-              <a:rPr lang="ro-RO" dirty="0" smtClean="0"/>
+              <a:rPr lang="ro-RO" dirty="0"/>
               <a:t>.</a:t>
             </a:r>
-            <a:endParaRPr lang="ro-RO" dirty="0"/>
           </a:p>
         </p:txBody>
       </p:sp>
@@ -4394,8 +6023,8 @@
         </p:blipFill>
         <p:spPr bwMode="auto">
           <a:xfrm>
-            <a:off x="4495800" y="1295400"/>
-            <a:ext cx="3352800" cy="1396343"/>
+            <a:off x="4462717" y="523197"/>
+            <a:ext cx="3962400" cy="1650224"/>
           </a:xfrm>
           <a:prstGeom prst="rect">
             <a:avLst/>
@@ -4445,7 +6074,7 @@
         </p:nvSpPr>
         <p:spPr>
           <a:xfrm>
-            <a:off x="4343400" y="2895600"/>
+            <a:off x="4299155" y="2467356"/>
             <a:ext cx="3733800" cy="1923288"/>
           </a:xfrm>
           <a:prstGeom prst="rect">
@@ -4622,11 +6251,23 @@
           </a:lstStyle>
           <a:p>
             <a:r>
-              <a:rPr lang="ro-RO" dirty="0" smtClean="0"/>
-              <a:t>Testele care nu au fost acoperite au fost cele pentru citirea din fisier si a API-ului. Pentru generareaacestor am utilizat tool-ul AI ChatGPT, testele furnizate de el au avut mici erori, dar dupa rezolvarea lor au reusit sa treaca fara nici o problema.</a:t>
-            </a:r>
-            <a:r>
-              <a:rPr lang="en-US" dirty="0" smtClean="0"/>
+              <a:rPr lang="ro-RO" dirty="0"/>
+              <a:t>Testele care nu au fost acoperite au fost cele pentru citirea din fisier si a API-ului. Pentru generarea</a:t>
+            </a:r>
+            <a:r>
+              <a:rPr lang="en-US"/>
+              <a:t> </a:t>
+            </a:r>
+            <a:r>
+              <a:rPr lang="ro-RO"/>
+              <a:t>acestor </a:t>
+            </a:r>
+            <a:r>
+              <a:rPr lang="ro-RO" dirty="0"/>
+              <a:t>am utilizat tool-ul AI ChatGPT, testele furnizate de el au avut mici erori, dar dupa rezolvarea lor au reusit sa treaca fara nici o problema.</a:t>
+            </a:r>
+            <a:r>
+              <a:rPr lang="en-US" dirty="0"/>
               <a:t> </a:t>
             </a:r>
             <a:endParaRPr lang="ro-RO" dirty="0"/>
@@ -4720,8 +6361,8 @@
         </p:blipFill>
         <p:spPr bwMode="auto">
           <a:xfrm>
-            <a:off x="4572000" y="4944502"/>
-            <a:ext cx="3600450" cy="1545559"/>
+            <a:off x="4495800" y="4766823"/>
+            <a:ext cx="3929317" cy="1686731"/>
           </a:xfrm>
           <a:prstGeom prst="rect">
             <a:avLst/>
@@ -4967,7 +6608,7 @@
 </p:sld>
 </file>
 
-<file path=ppt/slides/slide5.xml><?xml version="1.0" encoding="utf-8"?>
+<file path=ppt/slides/slide7.xml><?xml version="1.0" encoding="utf-8"?>
 <p:sld xmlns:a="http://schemas.openxmlformats.org/drawingml/2006/main" xmlns:r="http://schemas.openxmlformats.org/officeDocument/2006/relationships" xmlns:p="http://schemas.openxmlformats.org/presentationml/2006/main">
   <p:cSld>
     <p:spTree>
@@ -5006,13 +6647,8 @@
           <a:p>
             <a:r>
               <a:rPr lang="ro-RO" sz="3600" dirty="0"/>
-              <a:t>Testare prin </a:t>
-            </a:r>
-            <a:r>
-              <a:rPr lang="ro-RO" sz="3600" dirty="0" smtClean="0"/>
-              <a:t>mutatii</a:t>
-            </a:r>
-            <a:endParaRPr lang="ro-RO" sz="3600" dirty="0"/>
+              <a:t>Testare prin mutatii</a:t>
+            </a:r>
           </a:p>
         </p:txBody>
       </p:sp>
@@ -5398,7 +7034,7 @@
 </p:sld>
 </file>
 
-<file path=ppt/slides/slide6.xml><?xml version="1.0" encoding="utf-8"?>
+<file path=ppt/slides/slide8.xml><?xml version="1.0" encoding="utf-8"?>
 <p:sld xmlns:a="http://schemas.openxmlformats.org/drawingml/2006/main" xmlns:r="http://schemas.openxmlformats.org/officeDocument/2006/relationships" xmlns:p="http://schemas.openxmlformats.org/presentationml/2006/main">
   <p:cSld>
     <p:spTree>
@@ -5431,7 +7067,7 @@
           <a:lstStyle/>
           <a:p>
             <a:r>
-              <a:rPr lang="en-US" sz="3600" dirty="0" smtClean="0"/>
+              <a:rPr lang="en-US" sz="3600" dirty="0"/>
               <a:t>Killing mutants</a:t>
             </a:r>
             <a:endParaRPr lang="ro-RO" sz="3600" dirty="0"/>
@@ -5960,459 +7596,6 @@
 </p:sld>
 </file>
 
-<file path=ppt/slides/slide7.xml><?xml version="1.0" encoding="utf-8"?>
-<p:sld xmlns:a="http://schemas.openxmlformats.org/drawingml/2006/main" xmlns:r="http://schemas.openxmlformats.org/officeDocument/2006/relationships" xmlns:p="http://schemas.openxmlformats.org/presentationml/2006/main">
-  <p:cSld>
-    <p:spTree>
-      <p:nvGrpSpPr>
-        <p:cNvPr id="1" name=""/>
-        <p:cNvGrpSpPr/>
-        <p:nvPr/>
-      </p:nvGrpSpPr>
-      <p:grpSpPr>
-        <a:xfrm>
-          <a:off x="0" y="0"/>
-          <a:ext cx="0" cy="0"/>
-          <a:chOff x="0" y="0"/>
-          <a:chExt cx="0" cy="0"/>
-        </a:xfrm>
-      </p:grpSpPr>
-      <p:sp>
-        <p:nvSpPr>
-          <p:cNvPr id="3" name="Content Placeholder 2"/>
-          <p:cNvSpPr>
-            <a:spLocks noGrp="1"/>
-          </p:cNvSpPr>
-          <p:nvPr>
-            <p:ph sz="half" idx="1"/>
-          </p:nvPr>
-        </p:nvSpPr>
-        <p:spPr>
-          <a:xfrm>
-            <a:off x="457200" y="381000"/>
-            <a:ext cx="7543800" cy="673608"/>
-          </a:xfrm>
-        </p:spPr>
-        <p:txBody>
-          <a:bodyPr>
-            <a:normAutofit fontScale="70000" lnSpcReduction="20000"/>
-          </a:bodyPr>
-          <a:lstStyle/>
-          <a:p>
-            <a:r>
-              <a:rPr lang="ro-RO" dirty="0"/>
-              <a:t>Prin comanda </a:t>
-            </a:r>
-            <a:r>
-              <a:rPr lang="ro-RO" i="1" dirty="0"/>
-              <a:t>mutmut results</a:t>
-            </a:r>
-            <a:r>
-              <a:rPr lang="ro-RO" dirty="0"/>
-              <a:t> putem confirma faptul ca mutantii ucisi au fost 2, 3 si 14.</a:t>
-            </a:r>
-          </a:p>
-        </p:txBody>
-      </p:sp>
-      <p:sp>
-        <p:nvSpPr>
-          <p:cNvPr id="4" name="Content Placeholder 3"/>
-          <p:cNvSpPr>
-            <a:spLocks noGrp="1"/>
-          </p:cNvSpPr>
-          <p:nvPr>
-            <p:ph sz="half" idx="2"/>
-          </p:nvPr>
-        </p:nvSpPr>
-        <p:spPr>
-          <a:xfrm>
-            <a:off x="762000" y="3505200"/>
-            <a:ext cx="7162800" cy="609600"/>
-          </a:xfrm>
-        </p:spPr>
-        <p:txBody>
-          <a:bodyPr>
-            <a:normAutofit fontScale="70000" lnSpcReduction="20000"/>
-          </a:bodyPr>
-          <a:lstStyle/>
-          <a:p>
-            <a:r>
-              <a:rPr lang="pt-BR" dirty="0"/>
-              <a:t>Am generat HTML-ul pentru coverage si observam ca avem o acoperire de 100%.</a:t>
-            </a:r>
-            <a:endParaRPr lang="ro-RO" dirty="0"/>
-          </a:p>
-        </p:txBody>
-      </p:sp>
-      <p:pic>
-        <p:nvPicPr>
-          <p:cNvPr id="5122" name="Picture 2"/>
-          <p:cNvPicPr>
-            <a:picLocks noChangeAspect="1" noChangeArrowheads="1"/>
-          </p:cNvPicPr>
-          <p:nvPr/>
-        </p:nvPicPr>
-        <p:blipFill>
-          <a:blip r:embed="rId2">
-            <a:extLst>
-              <a:ext uri="{28A0092B-C50C-407E-A947-70E740481C1C}">
-                <a14:useLocalDpi xmlns:a14="http://schemas.microsoft.com/office/drawing/2010/main" val="0"/>
-              </a:ext>
-            </a:extLst>
-          </a:blip>
-          <a:srcRect/>
-          <a:stretch>
-            <a:fillRect/>
-          </a:stretch>
-        </p:blipFill>
-        <p:spPr bwMode="auto">
-          <a:xfrm>
-            <a:off x="1905000" y="1143000"/>
-            <a:ext cx="4381500" cy="2058152"/>
-          </a:xfrm>
-          <a:prstGeom prst="rect">
-            <a:avLst/>
-          </a:prstGeom>
-          <a:noFill/>
-          <a:ln>
-            <a:noFill/>
-          </a:ln>
-          <a:effectLst/>
-          <a:extLst>
-            <a:ext uri="{909E8E84-426E-40DD-AFC4-6F175D3DCCD1}">
-              <a14:hiddenFill xmlns:a14="http://schemas.microsoft.com/office/drawing/2010/main">
-                <a:solidFill>
-                  <a:schemeClr val="accent1"/>
-                </a:solidFill>
-              </a14:hiddenFill>
-            </a:ext>
-            <a:ext uri="{91240B29-F687-4F45-9708-019B960494DF}">
-              <a14:hiddenLine xmlns:a14="http://schemas.microsoft.com/office/drawing/2010/main" w="9525">
-                <a:solidFill>
-                  <a:schemeClr val="tx1"/>
-                </a:solidFill>
-                <a:miter lim="800000"/>
-                <a:headEnd/>
-                <a:tailEnd/>
-              </a14:hiddenLine>
-            </a:ext>
-            <a:ext uri="{AF507438-7753-43E0-B8FC-AC1667EBCBE1}">
-              <a14:hiddenEffects xmlns:a14="http://schemas.microsoft.com/office/drawing/2010/main">
-                <a:effectLst>
-                  <a:outerShdw dist="35921" dir="2700000" algn="ctr" rotWithShape="0">
-                    <a:schemeClr val="bg2"/>
-                  </a:outerShdw>
-                </a:effectLst>
-              </a14:hiddenEffects>
-            </a:ext>
-          </a:extLst>
-        </p:spPr>
-      </p:pic>
-      <p:pic>
-        <p:nvPicPr>
-          <p:cNvPr id="5123" name="Picture 3"/>
-          <p:cNvPicPr>
-            <a:picLocks noChangeAspect="1" noChangeArrowheads="1"/>
-          </p:cNvPicPr>
-          <p:nvPr/>
-        </p:nvPicPr>
-        <p:blipFill>
-          <a:blip r:embed="rId3">
-            <a:extLst>
-              <a:ext uri="{28A0092B-C50C-407E-A947-70E740481C1C}">
-                <a14:useLocalDpi xmlns:a14="http://schemas.microsoft.com/office/drawing/2010/main" val="0"/>
-              </a:ext>
-            </a:extLst>
-          </a:blip>
-          <a:srcRect/>
-          <a:stretch>
-            <a:fillRect/>
-          </a:stretch>
-        </p:blipFill>
-        <p:spPr bwMode="auto">
-          <a:xfrm>
-            <a:off x="1905000" y="4174890"/>
-            <a:ext cx="4572000" cy="2307480"/>
-          </a:xfrm>
-          <a:prstGeom prst="rect">
-            <a:avLst/>
-          </a:prstGeom>
-          <a:noFill/>
-          <a:ln>
-            <a:noFill/>
-          </a:ln>
-          <a:effectLst/>
-          <a:extLst>
-            <a:ext uri="{909E8E84-426E-40DD-AFC4-6F175D3DCCD1}">
-              <a14:hiddenFill xmlns:a14="http://schemas.microsoft.com/office/drawing/2010/main">
-                <a:solidFill>
-                  <a:schemeClr val="accent1"/>
-                </a:solidFill>
-              </a14:hiddenFill>
-            </a:ext>
-            <a:ext uri="{91240B29-F687-4F45-9708-019B960494DF}">
-              <a14:hiddenLine xmlns:a14="http://schemas.microsoft.com/office/drawing/2010/main" w="9525">
-                <a:solidFill>
-                  <a:schemeClr val="tx1"/>
-                </a:solidFill>
-                <a:miter lim="800000"/>
-                <a:headEnd/>
-                <a:tailEnd/>
-              </a14:hiddenLine>
-            </a:ext>
-            <a:ext uri="{AF507438-7753-43E0-B8FC-AC1667EBCBE1}">
-              <a14:hiddenEffects xmlns:a14="http://schemas.microsoft.com/office/drawing/2010/main">
-                <a:effectLst>
-                  <a:outerShdw dist="35921" dir="2700000" algn="ctr" rotWithShape="0">
-                    <a:schemeClr val="bg2"/>
-                  </a:outerShdw>
-                </a:effectLst>
-              </a14:hiddenEffects>
-            </a:ext>
-          </a:extLst>
-        </p:spPr>
-      </p:pic>
-    </p:spTree>
-    <p:extLst>
-      <p:ext uri="{BB962C8B-B14F-4D97-AF65-F5344CB8AC3E}">
-        <p14:creationId xmlns:p14="http://schemas.microsoft.com/office/powerpoint/2010/main" val="1645345555"/>
-      </p:ext>
-    </p:extLst>
-  </p:cSld>
-  <p:clrMapOvr>
-    <a:masterClrMapping/>
-  </p:clrMapOvr>
-</p:sld>
-</file>
-
-<file path=ppt/slides/slide8.xml><?xml version="1.0" encoding="utf-8"?>
-<p:sld xmlns:a="http://schemas.openxmlformats.org/drawingml/2006/main" xmlns:r="http://schemas.openxmlformats.org/officeDocument/2006/relationships" xmlns:p="http://schemas.openxmlformats.org/presentationml/2006/main">
-  <p:cSld>
-    <p:spTree>
-      <p:nvGrpSpPr>
-        <p:cNvPr id="1" name=""/>
-        <p:cNvGrpSpPr/>
-        <p:nvPr/>
-      </p:nvGrpSpPr>
-      <p:grpSpPr>
-        <a:xfrm>
-          <a:off x="0" y="0"/>
-          <a:ext cx="0" cy="0"/>
-          <a:chOff x="0" y="0"/>
-          <a:chExt cx="0" cy="0"/>
-        </a:xfrm>
-      </p:grpSpPr>
-      <p:sp>
-        <p:nvSpPr>
-          <p:cNvPr id="2" name="Title 1"/>
-          <p:cNvSpPr>
-            <a:spLocks noGrp="1"/>
-          </p:cNvSpPr>
-          <p:nvPr>
-            <p:ph type="title"/>
-          </p:nvPr>
-        </p:nvSpPr>
-        <p:spPr>
-          <a:xfrm>
-            <a:off x="457200" y="274638"/>
-            <a:ext cx="7620000" cy="868362"/>
-          </a:xfrm>
-        </p:spPr>
-        <p:txBody>
-          <a:bodyPr/>
-          <a:lstStyle/>
-          <a:p>
-            <a:r>
-              <a:rPr lang="en-US" sz="3600" dirty="0" smtClean="0"/>
-              <a:t>Teste</a:t>
-            </a:r>
-            <a:endParaRPr lang="ro-RO" sz="3600" dirty="0"/>
-          </a:p>
-        </p:txBody>
-      </p:sp>
-      <p:sp>
-        <p:nvSpPr>
-          <p:cNvPr id="3" name="Content Placeholder 2"/>
-          <p:cNvSpPr>
-            <a:spLocks noGrp="1"/>
-          </p:cNvSpPr>
-          <p:nvPr>
-            <p:ph sz="half" idx="1"/>
-          </p:nvPr>
-        </p:nvSpPr>
-        <p:spPr>
-          <a:xfrm>
-            <a:off x="381000" y="1219200"/>
-            <a:ext cx="7543800" cy="5029200"/>
-          </a:xfrm>
-        </p:spPr>
-        <p:txBody>
-          <a:bodyPr>
-            <a:normAutofit fontScale="70000" lnSpcReduction="20000"/>
-          </a:bodyPr>
-          <a:lstStyle/>
-          <a:p>
-            <a:pPr algn="just">
-              <a:lnSpc>
-                <a:spcPct val="120000"/>
-              </a:lnSpc>
-            </a:pPr>
-            <a:r>
-              <a:rPr lang="ro-RO" dirty="0"/>
-              <a:t> </a:t>
-            </a:r>
-            <a:r>
-              <a:rPr lang="ro-RO" b="1" i="1" dirty="0"/>
-              <a:t>test_same_currency()</a:t>
-            </a:r>
-            <a:r>
-              <a:rPr lang="ro-RO" dirty="0"/>
-              <a:t> - Verifica daca conversia intre aceeasi moneda returneaza suma </a:t>
-            </a:r>
-            <a:r>
-              <a:rPr lang="ro-RO" dirty="0" smtClean="0"/>
-              <a:t>initiala</a:t>
-            </a:r>
-            <a:endParaRPr lang="ro-RO" dirty="0"/>
-          </a:p>
-          <a:p>
-            <a:pPr algn="just">
-              <a:lnSpc>
-                <a:spcPct val="120000"/>
-              </a:lnSpc>
-            </a:pPr>
-            <a:r>
-              <a:rPr lang="ro-RO" dirty="0"/>
-              <a:t> </a:t>
-            </a:r>
-            <a:r>
-              <a:rPr lang="ro-RO" b="1" i="1" dirty="0"/>
-              <a:t>test_different_rate()</a:t>
-            </a:r>
-            <a:r>
-              <a:rPr lang="ro-RO" dirty="0"/>
-              <a:t> - Verifica daca conversia intre doua monede cu rate de schimb diferite este calculata corect</a:t>
-            </a:r>
-          </a:p>
-          <a:p>
-            <a:pPr algn="just">
-              <a:lnSpc>
-                <a:spcPct val="120000"/>
-              </a:lnSpc>
-            </a:pPr>
-            <a:r>
-              <a:rPr lang="ro-RO" dirty="0"/>
-              <a:t> </a:t>
-            </a:r>
-            <a:r>
-              <a:rPr lang="ro-RO" b="1" i="1" dirty="0"/>
-              <a:t>test_inverse_rate()</a:t>
-            </a:r>
-            <a:r>
-              <a:rPr lang="ro-RO" dirty="0"/>
-              <a:t> - Verifica daca conversia inversa intre doua monede cu rate de schimb diferite este calculata corect</a:t>
-            </a:r>
-          </a:p>
-          <a:p>
-            <a:pPr algn="just">
-              <a:lnSpc>
-                <a:spcPct val="120000"/>
-              </a:lnSpc>
-            </a:pPr>
-            <a:r>
-              <a:rPr lang="ro-RO" dirty="0"/>
-              <a:t> </a:t>
-            </a:r>
-            <a:r>
-              <a:rPr lang="ro-RO" b="1" i="1" dirty="0"/>
-              <a:t>test_unknown_currency()</a:t>
-            </a:r>
-            <a:r>
-              <a:rPr lang="ro-RO" dirty="0"/>
-              <a:t> - Verifica comportamentul functiei in cazul in care este furnizata o moneda finala necunoscuta</a:t>
-            </a:r>
-          </a:p>
-          <a:p>
-            <a:pPr algn="just">
-              <a:lnSpc>
-                <a:spcPct val="120000"/>
-              </a:lnSpc>
-            </a:pPr>
-            <a:r>
-              <a:rPr lang="ro-RO" dirty="0"/>
-              <a:t> </a:t>
-            </a:r>
-            <a:r>
-              <a:rPr lang="ro-RO" b="1" i="1" dirty="0"/>
-              <a:t>test_unknown_currency2()</a:t>
-            </a:r>
-            <a:r>
-              <a:rPr lang="ro-RO" dirty="0"/>
-              <a:t> - Verifica comportamentul functiei in cazul in care este furnizata o moneda initiala necunoscuta</a:t>
-            </a:r>
-          </a:p>
-          <a:p>
-            <a:pPr algn="just">
-              <a:lnSpc>
-                <a:spcPct val="120000"/>
-              </a:lnSpc>
-            </a:pPr>
-            <a:r>
-              <a:rPr lang="ro-RO" dirty="0"/>
-              <a:t> </a:t>
-            </a:r>
-            <a:r>
-              <a:rPr lang="ro-RO" b="1" i="1" dirty="0"/>
-              <a:t>test_invalid_amount()</a:t>
-            </a:r>
-            <a:r>
-              <a:rPr lang="ro-RO" dirty="0"/>
-              <a:t> - Verifica comportamentul functiei in cazul in care suma introdusa pentru conversie nu este un input </a:t>
-            </a:r>
-            <a:r>
-              <a:rPr lang="ro-RO" dirty="0" smtClean="0"/>
-              <a:t>valid</a:t>
-            </a:r>
-            <a:endParaRPr lang="en-US" dirty="0" smtClean="0"/>
-          </a:p>
-          <a:p>
-            <a:pPr algn="just">
-              <a:lnSpc>
-                <a:spcPct val="120000"/>
-              </a:lnSpc>
-            </a:pPr>
-            <a:r>
-              <a:rPr lang="ro-RO" b="1" i="1" dirty="0"/>
-              <a:t>test_zero_amount()</a:t>
-            </a:r>
-            <a:r>
-              <a:rPr lang="ro-RO" dirty="0"/>
-              <a:t> - Verifica comportamentul functiei atunci cand suma introdusa pentru conversie este zero</a:t>
-            </a:r>
-          </a:p>
-          <a:p>
-            <a:pPr algn="just">
-              <a:lnSpc>
-                <a:spcPct val="120000"/>
-              </a:lnSpc>
-            </a:pPr>
-            <a:endParaRPr lang="ro-RO" dirty="0"/>
-          </a:p>
-        </p:txBody>
-      </p:sp>
-    </p:spTree>
-    <p:extLst>
-      <p:ext uri="{BB962C8B-B14F-4D97-AF65-F5344CB8AC3E}">
-        <p14:creationId xmlns:p14="http://schemas.microsoft.com/office/powerpoint/2010/main" val="2923926538"/>
-      </p:ext>
-    </p:extLst>
-  </p:cSld>
-  <p:clrMapOvr>
-    <a:masterClrMapping/>
-  </p:clrMapOvr>
-</p:sld>
-</file>
-
 <file path=ppt/slides/slide9.xml><?xml version="1.0" encoding="utf-8"?>
 <p:sld xmlns:a="http://schemas.openxmlformats.org/drawingml/2006/main" xmlns:r="http://schemas.openxmlformats.org/officeDocument/2006/relationships" xmlns:p="http://schemas.openxmlformats.org/presentationml/2006/main">
   <p:cSld>
@@ -6432,7 +7615,46 @@
       </p:grpSpPr>
       <p:sp>
         <p:nvSpPr>
-          <p:cNvPr id="6" name="Content Placeholder 5"/>
+          <p:cNvPr id="2" name="Title 1">
+            <a:extLst>
+              <a:ext uri="{FF2B5EF4-FFF2-40B4-BE49-F238E27FC236}">
+                <a16:creationId xmlns:a16="http://schemas.microsoft.com/office/drawing/2014/main" id="{BF43ADDF-F980-D977-C8AE-566E2A046185}"/>
+              </a:ext>
+            </a:extLst>
+          </p:cNvPr>
+          <p:cNvSpPr>
+            <a:spLocks noGrp="1"/>
+          </p:cNvSpPr>
+          <p:nvPr>
+            <p:ph type="title"/>
+          </p:nvPr>
+        </p:nvSpPr>
+        <p:spPr/>
+        <p:txBody>
+          <a:bodyPr/>
+          <a:lstStyle/>
+          <a:p>
+            <a:r>
+              <a:rPr lang="en-US" dirty="0"/>
+              <a:t>Teste </a:t>
+            </a:r>
+            <a:r>
+              <a:rPr lang="en-US" dirty="0" err="1"/>
+              <a:t>Mutanti</a:t>
+            </a:r>
+            <a:endParaRPr lang="en-US" dirty="0"/>
+          </a:p>
+        </p:txBody>
+      </p:sp>
+      <p:sp>
+        <p:nvSpPr>
+          <p:cNvPr id="3" name="Content Placeholder 2">
+            <a:extLst>
+              <a:ext uri="{FF2B5EF4-FFF2-40B4-BE49-F238E27FC236}">
+                <a16:creationId xmlns:a16="http://schemas.microsoft.com/office/drawing/2014/main" id="{5A329B18-BC40-7373-2735-785F7BE1BD29}"/>
+              </a:ext>
+            </a:extLst>
+          </p:cNvPr>
           <p:cNvSpPr>
             <a:spLocks noGrp="1"/>
           </p:cNvSpPr>
@@ -6440,179 +7662,71 @@
             <p:ph idx="1"/>
           </p:nvPr>
         </p:nvSpPr>
+        <p:spPr/>
+        <p:txBody>
+          <a:bodyPr/>
+          <a:lstStyle/>
+          <a:p>
+            <a:pPr>
+              <a:buFont typeface="Wingdings" panose="05000000000000000000" pitchFamily="2" charset="2"/>
+              <a:buChar char="v"/>
+            </a:pPr>
+            <a:r>
+              <a:rPr lang="en-US" sz="2400" dirty="0"/>
+              <a:t>  </a:t>
+            </a:r>
+            <a:r>
+              <a:rPr lang="en-US" sz="2400" b="1" dirty="0"/>
+              <a:t>test_kill_mutants1</a:t>
+            </a:r>
+          </a:p>
+          <a:p>
+            <a:pPr>
+              <a:buFont typeface="Wingdings" panose="05000000000000000000" pitchFamily="2" charset="2"/>
+              <a:buChar char="v"/>
+            </a:pPr>
+            <a:r>
+              <a:rPr lang="en-US" sz="2400" b="1" dirty="0"/>
+              <a:t>  test _kill_mutants2</a:t>
+            </a:r>
+            <a:endParaRPr lang="en-US" dirty="0"/>
+          </a:p>
+        </p:txBody>
+      </p:sp>
+      <p:pic>
+        <p:nvPicPr>
+          <p:cNvPr id="8" name="Picture 7">
+            <a:extLst>
+              <a:ext uri="{FF2B5EF4-FFF2-40B4-BE49-F238E27FC236}">
+                <a16:creationId xmlns:a16="http://schemas.microsoft.com/office/drawing/2014/main" id="{F9ACEBBF-7E5B-1978-66F3-1C8EF765B7EB}"/>
+              </a:ext>
+            </a:extLst>
+          </p:cNvPr>
+          <p:cNvPicPr>
+            <a:picLocks noChangeAspect="1"/>
+          </p:cNvPicPr>
+          <p:nvPr/>
+        </p:nvPicPr>
+        <p:blipFill>
+          <a:blip r:embed="rId2"/>
+          <a:stretch>
+            <a:fillRect/>
+          </a:stretch>
+        </p:blipFill>
         <p:spPr>
           <a:xfrm>
-            <a:off x="457200" y="762000"/>
-            <a:ext cx="7620000" cy="4800600"/>
+            <a:off x="0" y="2819400"/>
+            <a:ext cx="8455742" cy="2606173"/>
           </a:xfrm>
+          <a:prstGeom prst="rect">
+            <a:avLst/>
+          </a:prstGeom>
         </p:spPr>
-        <p:txBody>
-          <a:bodyPr>
-            <a:normAutofit fontScale="92500" lnSpcReduction="10000"/>
-          </a:bodyPr>
-          <a:lstStyle/>
-          <a:p>
-            <a:pPr>
-              <a:lnSpc>
-                <a:spcPct val="120000"/>
-              </a:lnSpc>
-            </a:pPr>
-            <a:r>
-              <a:rPr lang="ro-RO" dirty="0"/>
-              <a:t>  </a:t>
-            </a:r>
-            <a:r>
-              <a:rPr lang="ro-RO" b="1" i="1" dirty="0"/>
-              <a:t>test_negative_amount()</a:t>
-            </a:r>
-            <a:r>
-              <a:rPr lang="ro-RO" dirty="0"/>
-              <a:t> - Verifica comportamentul functiei atunci cand suma introdusa pentru conversie este negativa</a:t>
-            </a:r>
-          </a:p>
-          <a:p>
-            <a:pPr>
-              <a:lnSpc>
-                <a:spcPct val="120000"/>
-              </a:lnSpc>
-            </a:pPr>
-            <a:r>
-              <a:rPr lang="ro-RO" dirty="0"/>
-              <a:t> </a:t>
-            </a:r>
-            <a:r>
-              <a:rPr lang="ro-RO" b="1" i="1" dirty="0"/>
-              <a:t>test_api_success</a:t>
-            </a:r>
-            <a:r>
-              <a:rPr lang="ro-RO" dirty="0"/>
-              <a:t> - Verifica daca functia poate accesa cu succes api-ul</a:t>
-            </a:r>
-          </a:p>
-          <a:p>
-            <a:pPr>
-              <a:lnSpc>
-                <a:spcPct val="120000"/>
-              </a:lnSpc>
-            </a:pPr>
-            <a:r>
-              <a:rPr lang="ro-RO" dirty="0"/>
-              <a:t> </a:t>
-            </a:r>
-            <a:r>
-              <a:rPr lang="ro-RO" b="1" i="1" dirty="0"/>
-              <a:t>test_api_failure_with_backup_file</a:t>
-            </a:r>
-            <a:r>
-              <a:rPr lang="ro-RO" dirty="0"/>
-              <a:t> - Verifica comportamentul clasei in cazul in care nu poate accesa api-ul</a:t>
-            </a:r>
-          </a:p>
-          <a:p>
-            <a:pPr>
-              <a:lnSpc>
-                <a:spcPct val="120000"/>
-              </a:lnSpc>
-            </a:pPr>
-            <a:r>
-              <a:rPr lang="ro-RO" dirty="0"/>
-              <a:t> </a:t>
-            </a:r>
-            <a:r>
-              <a:rPr lang="ro-RO" b="1" i="1" dirty="0"/>
-              <a:t>test_load_exchange_rates_from_file</a:t>
-            </a:r>
-            <a:r>
-              <a:rPr lang="ro-RO" dirty="0"/>
-              <a:t> - Verfica comportamenul functiei </a:t>
-            </a:r>
-            <a:r>
-              <a:rPr lang="ro-RO" i="1" dirty="0"/>
-              <a:t>load_exchange_rates</a:t>
-            </a:r>
-            <a:endParaRPr lang="ro-RO" dirty="0"/>
-          </a:p>
-          <a:p>
-            <a:pPr>
-              <a:lnSpc>
-                <a:spcPct val="120000"/>
-              </a:lnSpc>
-            </a:pPr>
-            <a:r>
-              <a:rPr lang="ro-RO" dirty="0"/>
-              <a:t> </a:t>
-            </a:r>
-            <a:r>
-              <a:rPr lang="ro-RO" b="1" i="1" dirty="0"/>
-              <a:t>test_file_writing</a:t>
-            </a:r>
-            <a:r>
-              <a:rPr lang="ro-RO" dirty="0"/>
-              <a:t> - Verifica comportamentul </a:t>
-            </a:r>
-            <a:r>
-              <a:rPr lang="en-US" dirty="0" err="1" smtClean="0"/>
-              <a:t>functiei</a:t>
-            </a:r>
-            <a:r>
-              <a:rPr lang="ro-RO" dirty="0" smtClean="0"/>
-              <a:t> </a:t>
-            </a:r>
-            <a:r>
-              <a:rPr lang="ro-RO" i="1" dirty="0" smtClean="0"/>
-              <a:t>update_exchange_rates</a:t>
-            </a:r>
-            <a:endParaRPr lang="ro-RO" dirty="0" smtClean="0"/>
-          </a:p>
-          <a:p>
-            <a:pPr>
-              <a:lnSpc>
-                <a:spcPct val="120000"/>
-              </a:lnSpc>
-            </a:pPr>
-            <a:r>
-              <a:rPr lang="ro-RO" dirty="0" smtClean="0"/>
-              <a:t> </a:t>
-            </a:r>
-            <a:r>
-              <a:rPr lang="ro-RO" b="1" i="1" dirty="0" smtClean="0"/>
-              <a:t>test_kill_mutantants1</a:t>
-            </a:r>
-            <a:r>
-              <a:rPr lang="ro-RO" dirty="0" smtClean="0"/>
-              <a:t> - Teste pentru ucis mutanti</a:t>
-            </a:r>
-          </a:p>
-          <a:p>
-            <a:pPr>
-              <a:lnSpc>
-                <a:spcPct val="120000"/>
-              </a:lnSpc>
-            </a:pPr>
-            <a:r>
-              <a:rPr lang="ro-RO" dirty="0"/>
-              <a:t> </a:t>
-            </a:r>
-            <a:r>
-              <a:rPr lang="ro-RO" b="1" i="1" dirty="0"/>
-              <a:t>test_kill_mutantants2</a:t>
-            </a:r>
-            <a:r>
-              <a:rPr lang="ro-RO" dirty="0"/>
-              <a:t> - Teste pentru ucis </a:t>
-            </a:r>
-            <a:r>
-              <a:rPr lang="ro-RO" dirty="0" smtClean="0"/>
-              <a:t>mutanti</a:t>
-            </a:r>
-            <a:endParaRPr lang="ro-RO" dirty="0"/>
-          </a:p>
-        </p:txBody>
-      </p:sp>
+      </p:pic>
     </p:spTree>
     <p:extLst>
       <p:ext uri="{BB962C8B-B14F-4D97-AF65-F5344CB8AC3E}">
-        <p14:creationId xmlns:p14="http://schemas.microsoft.com/office/powerpoint/2010/main" val="2540307243"/>
+        <p14:creationId xmlns:p14="http://schemas.microsoft.com/office/powerpoint/2010/main" val="3778192467"/>
       </p:ext>
     </p:extLst>
   </p:cSld>
